--- a/BWM - Werner Baumgartner/Zivilrecht.pptx
+++ b/BWM - Werner Baumgartner/Zivilrecht.pptx
@@ -6,9 +6,14 @@
   </p:sldMasterIdLst>
   <p:sldIdLst>
     <p:sldId id="256" r:id="rId2"/>
-    <p:sldId id="258" r:id="rId3"/>
-    <p:sldId id="259" r:id="rId4"/>
-    <p:sldId id="260" r:id="rId5"/>
+    <p:sldId id="263" r:id="rId3"/>
+    <p:sldId id="264" r:id="rId4"/>
+    <p:sldId id="265" r:id="rId5"/>
+    <p:sldId id="266" r:id="rId6"/>
+    <p:sldId id="258" r:id="rId7"/>
+    <p:sldId id="259" r:id="rId8"/>
+    <p:sldId id="260" r:id="rId9"/>
+    <p:sldId id="261" r:id="rId10"/>
   </p:sldIdLst>
   <p:sldSz cx="12192000" cy="6858000"/>
   <p:notesSz cx="6858000" cy="9144000"/>
@@ -107,6 +112,11 @@
       </a:defRPr>
     </a:lvl9pPr>
   </p:defaultTextStyle>
+  <p:extLst>
+    <p:ext uri="{EFAFB233-063F-42B5-8137-9DF3F51BA10A}">
+      <p15:sldGuideLst xmlns:p15="http://schemas.microsoft.com/office/powerpoint/2012/main"/>
+    </p:ext>
+  </p:extLst>
 </p:presentation>
 </file>
 
@@ -4120,7 +4130,7 @@
           <p:cNvPr id="2" name="Titel 1">
             <a:extLst>
               <a:ext uri="{FF2B5EF4-FFF2-40B4-BE49-F238E27FC236}">
-                <a16:creationId xmlns:a16="http://schemas.microsoft.com/office/drawing/2014/main" id="{86524586-F054-48FF-AF55-CAB94022054B}"/>
+                <a16:creationId xmlns:a16="http://schemas.microsoft.com/office/drawing/2014/main" id="{2C2EF7E6-83FF-4F0B-B708-DADFAE88D715}"/>
               </a:ext>
             </a:extLst>
           </p:cNvPr>
@@ -4133,24 +4143,13 @@
         </p:nvSpPr>
         <p:spPr/>
         <p:txBody>
-          <a:bodyPr>
-            <a:normAutofit/>
-          </a:bodyPr>
-          <a:lstStyle/>
-          <a:p>
-            <a:r>
-              <a:rPr lang="de-AT" sz="3600" dirty="0"/>
-              <a:t>Eigenschaften des</a:t>
-            </a:r>
-            <a:r>
-              <a:rPr lang="en-GB" sz="3600" dirty="0"/>
-              <a:t> </a:t>
-            </a:r>
-            <a:r>
-              <a:rPr lang="de-AT" sz="3600" dirty="0"/>
-              <a:t>Zivilrechts</a:t>
-            </a:r>
-            <a:endParaRPr lang="de-AT" dirty="0"/>
+          <a:bodyPr/>
+          <a:lstStyle/>
+          <a:p>
+            <a:r>
+              <a:rPr lang="de-AT" dirty="0"/>
+              <a:t>Was macht das Zivilrecht?</a:t>
+            </a:r>
           </a:p>
         </p:txBody>
       </p:sp>
@@ -4159,7 +4158,7 @@
           <p:cNvPr id="3" name="Inhaltsplatzhalter 2">
             <a:extLst>
               <a:ext uri="{FF2B5EF4-FFF2-40B4-BE49-F238E27FC236}">
-                <a16:creationId xmlns:a16="http://schemas.microsoft.com/office/drawing/2014/main" id="{BB1A4123-642C-4C58-85C9-192B48A6B308}"/>
+                <a16:creationId xmlns:a16="http://schemas.microsoft.com/office/drawing/2014/main" id="{AF3D7BF1-BE22-47D1-BB70-E5D4B3785AD2}"/>
               </a:ext>
             </a:extLst>
           </p:cNvPr>
@@ -4179,56 +4178,8 @@
               <a:buNone/>
             </a:pPr>
             <a:r>
-              <a:rPr lang="de-AT" b="1" dirty="0"/>
-              <a:t>Rechtsgebiet &amp; Anspruch:</a:t>
-            </a:r>
-            <a:br>
               <a:rPr lang="de-AT" dirty="0"/>
-            </a:br>
-            <a:r>
-              <a:rPr lang="de-AT" dirty="0"/>
-              <a:t>	-Ein Teil des Privatrechts</a:t>
-            </a:r>
-            <a:br>
-              <a:rPr lang="de-AT" dirty="0"/>
-            </a:br>
-            <a:r>
-              <a:rPr lang="de-AT" dirty="0"/>
-              <a:t>	-Jede Privatperson</a:t>
-            </a:r>
-            <a:br>
-              <a:rPr lang="de-AT" dirty="0"/>
-            </a:br>
-            <a:r>
-              <a:rPr lang="de-AT" dirty="0"/>
-              <a:t>	-Der Anspruch richtet sich (häufig) auf</a:t>
-            </a:r>
-            <a:br>
-              <a:rPr lang="de-AT" dirty="0"/>
-            </a:br>
-            <a:r>
-              <a:rPr lang="de-AT" dirty="0"/>
-              <a:t>	 Zahlung eines Geldbetrags</a:t>
-            </a:r>
-          </a:p>
-          <a:p>
-            <a:pPr marL="0" indent="0">
-              <a:buNone/>
-            </a:pPr>
-            <a:r>
-              <a:rPr lang="de-AT" b="1" dirty="0"/>
-              <a:t>Sind Gerichtsverfahren vermeidbar?</a:t>
-            </a:r>
-            <a:br>
-              <a:rPr lang="de-AT" b="1" dirty="0"/>
-            </a:br>
-            <a:r>
-              <a:rPr lang="de-AT" b="1" dirty="0"/>
-              <a:t>	</a:t>
-            </a:r>
-            <a:r>
-              <a:rPr lang="de-AT" dirty="0"/>
-              <a:t>-Ja, durch Einigung und Verzicht</a:t>
+              <a:t>-Regelt Rechtsverhältnisse der Menschen</a:t>
             </a:r>
           </a:p>
           <a:p>
@@ -4241,17 +4192,32 @@
             <a:pPr marL="0" indent="0">
               <a:buNone/>
             </a:pPr>
-            <a:endParaRPr lang="en-GB" dirty="0"/>
-          </a:p>
-          <a:p>
+            <a:r>
+              <a:rPr lang="de-AT" dirty="0"/>
+              <a:t>-Die Parteien sind gleichgestellt</a:t>
+            </a:r>
+          </a:p>
+          <a:p>
+            <a:pPr marL="0" indent="0">
+              <a:buNone/>
+            </a:pPr>
             <a:endParaRPr lang="de-AT" dirty="0"/>
+          </a:p>
+          <a:p>
+            <a:pPr marL="0" indent="0">
+              <a:buNone/>
+            </a:pPr>
+            <a:r>
+              <a:rPr lang="de-AT" dirty="0"/>
+              <a:t>-Ersterlass eines Österreichischen Zivilrechts: 1811</a:t>
+            </a:r>
           </a:p>
         </p:txBody>
       </p:sp>
     </p:spTree>
     <p:extLst>
       <p:ext uri="{BB962C8B-B14F-4D97-AF65-F5344CB8AC3E}">
-        <p14:creationId xmlns:p14="http://schemas.microsoft.com/office/powerpoint/2010/main" val="4120101375"/>
+        <p14:creationId xmlns:p14="http://schemas.microsoft.com/office/powerpoint/2010/main" val="2019159296"/>
       </p:ext>
     </p:extLst>
   </p:cSld>
@@ -4283,7 +4249,7 @@
           <p:cNvPr id="2" name="Titel 1">
             <a:extLst>
               <a:ext uri="{FF2B5EF4-FFF2-40B4-BE49-F238E27FC236}">
-                <a16:creationId xmlns:a16="http://schemas.microsoft.com/office/drawing/2014/main" id="{A2D442B6-1C24-482D-950A-4E6FA60A973C}"/>
+                <a16:creationId xmlns:a16="http://schemas.microsoft.com/office/drawing/2014/main" id="{A2BF6E7E-D8A2-4CA9-801D-7CC743508FFD}"/>
               </a:ext>
             </a:extLst>
           </p:cNvPr>
@@ -4294,24 +4260,20 @@
             <p:ph type="title"/>
           </p:nvPr>
         </p:nvSpPr>
-        <p:spPr/>
-        <p:txBody>
-          <a:bodyPr/>
-          <a:lstStyle/>
-          <a:p>
-            <a:r>
-              <a:rPr lang="de-AT" sz="3600" dirty="0"/>
-              <a:t>Eigenschaften des</a:t>
-            </a:r>
-            <a:r>
-              <a:rPr lang="en-GB" sz="3600" dirty="0"/>
-              <a:t> </a:t>
-            </a:r>
-            <a:r>
-              <a:rPr lang="de-AT" sz="3600" dirty="0"/>
-              <a:t>Zivilrechts</a:t>
-            </a:r>
-            <a:endParaRPr lang="de-AT" dirty="0"/>
+        <p:spPr>
+          <a:xfrm>
+            <a:off x="1371600" y="795528"/>
+            <a:ext cx="10392508" cy="1234440"/>
+          </a:xfrm>
+        </p:spPr>
+        <p:txBody>
+          <a:bodyPr/>
+          <a:lstStyle/>
+          <a:p>
+            <a:r>
+              <a:rPr lang="de-AT" dirty="0"/>
+              <a:t>Wichtige Elemente des Zivilrechts</a:t>
+            </a:r>
           </a:p>
         </p:txBody>
       </p:sp>
@@ -4320,7 +4282,7 @@
           <p:cNvPr id="3" name="Inhaltsplatzhalter 2">
             <a:extLst>
               <a:ext uri="{FF2B5EF4-FFF2-40B4-BE49-F238E27FC236}">
-                <a16:creationId xmlns:a16="http://schemas.microsoft.com/office/drawing/2014/main" id="{813E75D4-B9F2-4AC2-8354-7F88F6A63108}"/>
+                <a16:creationId xmlns:a16="http://schemas.microsoft.com/office/drawing/2014/main" id="{A97F6284-2408-4DF8-89D2-0D46D4155754}"/>
               </a:ext>
             </a:extLst>
           </p:cNvPr>
@@ -4331,7 +4293,12 @@
             <p:ph idx="1"/>
           </p:nvPr>
         </p:nvSpPr>
-        <p:spPr/>
+        <p:spPr>
+          <a:xfrm>
+            <a:off x="1371600" y="2112264"/>
+            <a:ext cx="10241280" cy="3708244"/>
+          </a:xfrm>
+        </p:spPr>
         <p:txBody>
           <a:bodyPr/>
           <a:lstStyle/>
@@ -4340,57 +4307,53 @@
               <a:buNone/>
             </a:pPr>
             <a:r>
-              <a:rPr lang="de-AT" b="1" noProof="1"/>
-              <a:t>Auf jeden Fall anwesende</a:t>
-            </a:r>
-            <a:r>
-              <a:rPr lang="en-GB" b="1" dirty="0"/>
-              <a:t> </a:t>
-            </a:r>
-            <a:r>
-              <a:rPr lang="de-AT" b="1" dirty="0"/>
-              <a:t>bei einem Gerichtsverfahren:</a:t>
-            </a:r>
-            <a:br>
-              <a:rPr lang="de-AT" b="1" dirty="0"/>
-            </a:br>
-            <a:r>
-              <a:rPr lang="de-AT" b="1" dirty="0"/>
-              <a:t>	</a:t>
-            </a:r>
-            <a:r>
               <a:rPr lang="de-AT" dirty="0"/>
-              <a:t>-Kläger, Beklagter und Berufsrichter</a:t>
-            </a:r>
-          </a:p>
-          <a:p>
-            <a:endParaRPr lang="de-AT" dirty="0"/>
+              <a:t>-Eigentums- und Besitzrecht</a:t>
+            </a:r>
           </a:p>
           <a:p>
             <a:pPr marL="0" indent="0">
               <a:buNone/>
             </a:pPr>
             <a:r>
-              <a:rPr lang="de-AT" b="1" dirty="0"/>
-              <a:t>Wie wird das Verfahren eingeleitet:</a:t>
-            </a:r>
-            <a:br>
-              <a:rPr lang="de-AT" b="1" dirty="0"/>
-            </a:br>
-            <a:r>
-              <a:rPr lang="de-AT" b="1" dirty="0"/>
-              <a:t>	</a:t>
-            </a:r>
-            <a:r>
               <a:rPr lang="de-AT" dirty="0"/>
-              <a:t>-Klage vom Kläger</a:t>
-            </a:r>
-            <a:br>
+              <a:t>-Vertragsrecht</a:t>
+            </a:r>
+          </a:p>
+          <a:p>
+            <a:pPr marL="0" indent="0">
+              <a:buNone/>
+            </a:pPr>
+            <a:r>
               <a:rPr lang="de-AT" dirty="0"/>
-            </a:br>
+              <a:t>-Schadenersatzrecht</a:t>
+            </a:r>
+          </a:p>
+          <a:p>
+            <a:pPr marL="0" indent="0">
+              <a:buNone/>
+            </a:pPr>
             <a:r>
               <a:rPr lang="de-AT" dirty="0"/>
-              <a:t>	-Klage ist gegen Beklagten</a:t>
+              <a:t>-Erbrecht</a:t>
+            </a:r>
+          </a:p>
+          <a:p>
+            <a:pPr marL="0" indent="0">
+              <a:buNone/>
+            </a:pPr>
+            <a:r>
+              <a:rPr lang="de-AT" dirty="0"/>
+              <a:t>-Familienrecht</a:t>
+            </a:r>
+          </a:p>
+          <a:p>
+            <a:pPr marL="0" indent="0">
+              <a:buNone/>
+            </a:pPr>
+            <a:r>
+              <a:rPr lang="de-AT" dirty="0"/>
+              <a:t>-Eherecht</a:t>
             </a:r>
           </a:p>
         </p:txBody>
@@ -4398,7 +4361,7 @@
     </p:spTree>
     <p:extLst>
       <p:ext uri="{BB962C8B-B14F-4D97-AF65-F5344CB8AC3E}">
-        <p14:creationId xmlns:p14="http://schemas.microsoft.com/office/powerpoint/2010/main" val="712506801"/>
+        <p14:creationId xmlns:p14="http://schemas.microsoft.com/office/powerpoint/2010/main" val="2147710059"/>
       </p:ext>
     </p:extLst>
   </p:cSld>
@@ -4430,7 +4393,7 @@
           <p:cNvPr id="2" name="Titel 1">
             <a:extLst>
               <a:ext uri="{FF2B5EF4-FFF2-40B4-BE49-F238E27FC236}">
-                <a16:creationId xmlns:a16="http://schemas.microsoft.com/office/drawing/2014/main" id="{02D412D0-5EAF-4BD1-8CD6-6274A84295EA}"/>
+                <a16:creationId xmlns:a16="http://schemas.microsoft.com/office/drawing/2014/main" id="{CBDB07AB-EE99-46B8-875C-4FB5CFF10A6B}"/>
               </a:ext>
             </a:extLst>
           </p:cNvPr>
@@ -4441,9 +4404,373 @@
             <p:ph type="title"/>
           </p:nvPr>
         </p:nvSpPr>
+        <p:spPr>
+          <a:xfrm>
+            <a:off x="1371600" y="795528"/>
+            <a:ext cx="10568354" cy="1234440"/>
+          </a:xfrm>
+        </p:spPr>
+        <p:txBody>
+          <a:bodyPr/>
+          <a:lstStyle/>
+          <a:p>
+            <a:r>
+              <a:rPr lang="de-AT" dirty="0"/>
+              <a:t>Grundzüge für Zivilverfahren</a:t>
+            </a:r>
+          </a:p>
+        </p:txBody>
+      </p:sp>
+      <p:sp>
+        <p:nvSpPr>
+          <p:cNvPr id="3" name="Inhaltsplatzhalter 2">
+            <a:extLst>
+              <a:ext uri="{FF2B5EF4-FFF2-40B4-BE49-F238E27FC236}">
+                <a16:creationId xmlns:a16="http://schemas.microsoft.com/office/drawing/2014/main" id="{3E1CDAA2-6BD8-4EAD-B39A-4BE0DBBBBD5A}"/>
+              </a:ext>
+            </a:extLst>
+          </p:cNvPr>
+          <p:cNvSpPr>
+            <a:spLocks noGrp="1"/>
+          </p:cNvSpPr>
+          <p:nvPr>
+            <p:ph idx="1"/>
+          </p:nvPr>
+        </p:nvSpPr>
+        <p:spPr>
+          <a:xfrm>
+            <a:off x="1371600" y="2112264"/>
+            <a:ext cx="10241280" cy="4341290"/>
+          </a:xfrm>
+        </p:spPr>
+        <p:txBody>
+          <a:bodyPr>
+            <a:normAutofit/>
+          </a:bodyPr>
+          <a:lstStyle/>
+          <a:p>
+            <a:pPr marL="0" indent="0">
+              <a:buNone/>
+            </a:pPr>
+            <a:r>
+              <a:rPr lang="de-AT" b="1" i="0" dirty="0">
+                <a:solidFill>
+                  <a:srgbClr val="000000"/>
+                </a:solidFill>
+                <a:effectLst/>
+                <a:latin typeface="Source Sans Pro" panose="020B0503030403020204" pitchFamily="34" charset="0"/>
+              </a:rPr>
+              <a:t>Öffentlichkeit der Verhandlung:</a:t>
+            </a:r>
+            <a:br>
+              <a:rPr lang="de-AT" b="1" i="0" dirty="0">
+                <a:solidFill>
+                  <a:srgbClr val="000000"/>
+                </a:solidFill>
+                <a:effectLst/>
+                <a:latin typeface="Source Sans Pro" panose="020B0503030403020204" pitchFamily="34" charset="0"/>
+              </a:rPr>
+            </a:br>
+            <a:r>
+              <a:rPr lang="de-AT" b="1" i="0" dirty="0">
+                <a:solidFill>
+                  <a:srgbClr val="000000"/>
+                </a:solidFill>
+                <a:effectLst/>
+                <a:latin typeface="Source Sans Pro" panose="020B0503030403020204" pitchFamily="34" charset="0"/>
+              </a:rPr>
+              <a:t>	</a:t>
+            </a:r>
+            <a:r>
+              <a:rPr lang="de-AT" dirty="0">
+                <a:solidFill>
+                  <a:srgbClr val="000000"/>
+                </a:solidFill>
+                <a:latin typeface="Source Sans Pro" panose="020B0503030403020204" pitchFamily="34" charset="0"/>
+              </a:rPr>
+              <a:t>-freier Zutritt für Bürger</a:t>
+            </a:r>
+            <a:endParaRPr lang="de-AT" b="1" i="0" dirty="0">
+              <a:solidFill>
+                <a:srgbClr val="000000"/>
+              </a:solidFill>
+              <a:effectLst/>
+              <a:latin typeface="Source Sans Pro" panose="020B0503030403020204" pitchFamily="34" charset="0"/>
+            </a:endParaRPr>
+          </a:p>
+          <a:p>
+            <a:pPr marL="0" indent="0">
+              <a:buNone/>
+            </a:pPr>
+            <a:r>
+              <a:rPr lang="de-AT" b="1" dirty="0">
+                <a:solidFill>
+                  <a:srgbClr val="000000"/>
+                </a:solidFill>
+                <a:latin typeface="Source Sans Pro" panose="020B0503030403020204" pitchFamily="34" charset="0"/>
+              </a:rPr>
+              <a:t>Beiderseitiges rechtliches Gehör:</a:t>
+            </a:r>
+            <a:br>
+              <a:rPr lang="de-AT" b="1" dirty="0">
+                <a:solidFill>
+                  <a:srgbClr val="000000"/>
+                </a:solidFill>
+                <a:latin typeface="Source Sans Pro" panose="020B0503030403020204" pitchFamily="34" charset="0"/>
+              </a:rPr>
+            </a:br>
+            <a:r>
+              <a:rPr lang="de-AT" b="1" dirty="0">
+                <a:solidFill>
+                  <a:srgbClr val="000000"/>
+                </a:solidFill>
+                <a:latin typeface="Source Sans Pro" panose="020B0503030403020204" pitchFamily="34" charset="0"/>
+              </a:rPr>
+              <a:t>	</a:t>
+            </a:r>
+            <a:r>
+              <a:rPr lang="de-AT" dirty="0">
+                <a:solidFill>
+                  <a:srgbClr val="000000"/>
+                </a:solidFill>
+                <a:latin typeface="Source Sans Pro" panose="020B0503030403020204" pitchFamily="34" charset="0"/>
+              </a:rPr>
+              <a:t>-Die Möglichkeit sich zu äußern</a:t>
+            </a:r>
+          </a:p>
+          <a:p>
+            <a:pPr marL="0" indent="0">
+              <a:buNone/>
+            </a:pPr>
+            <a:r>
+              <a:rPr lang="de-AT" b="1" i="0" dirty="0">
+                <a:solidFill>
+                  <a:srgbClr val="000000"/>
+                </a:solidFill>
+                <a:effectLst/>
+                <a:latin typeface="Source Sans Pro" panose="020B0503030403020204" pitchFamily="34" charset="0"/>
+              </a:rPr>
+              <a:t>Kooperationsgrundsatz:</a:t>
+            </a:r>
+          </a:p>
+          <a:p>
+            <a:pPr marL="0" indent="0">
+              <a:buNone/>
+            </a:pPr>
+            <a:r>
+              <a:rPr lang="de-AT" b="1" dirty="0">
+                <a:solidFill>
+                  <a:srgbClr val="000000"/>
+                </a:solidFill>
+                <a:latin typeface="Source Sans Pro" panose="020B0503030403020204" pitchFamily="34" charset="0"/>
+              </a:rPr>
+              <a:t>	</a:t>
+            </a:r>
+            <a:r>
+              <a:rPr lang="de-AT" dirty="0">
+                <a:solidFill>
+                  <a:srgbClr val="000000"/>
+                </a:solidFill>
+                <a:latin typeface="Source Sans Pro" panose="020B0503030403020204" pitchFamily="34" charset="0"/>
+              </a:rPr>
+              <a:t>-Keine Ermittlungen</a:t>
+            </a:r>
+          </a:p>
+        </p:txBody>
+      </p:sp>
+    </p:spTree>
+    <p:extLst>
+      <p:ext uri="{BB962C8B-B14F-4D97-AF65-F5344CB8AC3E}">
+        <p14:creationId xmlns:p14="http://schemas.microsoft.com/office/powerpoint/2010/main" val="2507592194"/>
+      </p:ext>
+    </p:extLst>
+  </p:cSld>
+  <p:clrMapOvr>
+    <a:masterClrMapping/>
+  </p:clrMapOvr>
+</p:sld>
+</file>
+
+<file path=ppt/slides/slide5.xml><?xml version="1.0" encoding="utf-8"?>
+<p:sld xmlns:a="http://schemas.openxmlformats.org/drawingml/2006/main" xmlns:r="http://schemas.openxmlformats.org/officeDocument/2006/relationships" xmlns:p="http://schemas.openxmlformats.org/presentationml/2006/main">
+  <p:cSld>
+    <p:spTree>
+      <p:nvGrpSpPr>
+        <p:cNvPr id="1" name=""/>
+        <p:cNvGrpSpPr/>
+        <p:nvPr/>
+      </p:nvGrpSpPr>
+      <p:grpSpPr>
+        <a:xfrm>
+          <a:off x="0" y="0"/>
+          <a:ext cx="0" cy="0"/>
+          <a:chOff x="0" y="0"/>
+          <a:chExt cx="0" cy="0"/>
+        </a:xfrm>
+      </p:grpSpPr>
+      <p:sp>
+        <p:nvSpPr>
+          <p:cNvPr id="2" name="Titel 1">
+            <a:extLst>
+              <a:ext uri="{FF2B5EF4-FFF2-40B4-BE49-F238E27FC236}">
+                <a16:creationId xmlns:a16="http://schemas.microsoft.com/office/drawing/2014/main" id="{7E3CD0CA-D57F-446F-A0ED-A296A250233F}"/>
+              </a:ext>
+            </a:extLst>
+          </p:cNvPr>
+          <p:cNvSpPr>
+            <a:spLocks noGrp="1"/>
+          </p:cNvSpPr>
+          <p:nvPr>
+            <p:ph type="title"/>
+          </p:nvPr>
+        </p:nvSpPr>
         <p:spPr/>
         <p:txBody>
           <a:bodyPr/>
+          <a:lstStyle/>
+          <a:p>
+            <a:r>
+              <a:rPr lang="de-AT" dirty="0"/>
+              <a:t>Das Zivilverfahrensrecht</a:t>
+            </a:r>
+          </a:p>
+        </p:txBody>
+      </p:sp>
+      <p:sp>
+        <p:nvSpPr>
+          <p:cNvPr id="3" name="Inhaltsplatzhalter 2">
+            <a:extLst>
+              <a:ext uri="{FF2B5EF4-FFF2-40B4-BE49-F238E27FC236}">
+                <a16:creationId xmlns:a16="http://schemas.microsoft.com/office/drawing/2014/main" id="{ADBFF455-12F9-447D-9AD0-AE06CAB7338C}"/>
+              </a:ext>
+            </a:extLst>
+          </p:cNvPr>
+          <p:cNvSpPr>
+            <a:spLocks noGrp="1"/>
+          </p:cNvSpPr>
+          <p:nvPr>
+            <p:ph idx="1"/>
+          </p:nvPr>
+        </p:nvSpPr>
+        <p:spPr/>
+        <p:txBody>
+          <a:bodyPr/>
+          <a:lstStyle/>
+          <a:p>
+            <a:pPr marL="0" indent="0">
+              <a:buNone/>
+            </a:pPr>
+            <a:r>
+              <a:rPr lang="de-DE" b="1" dirty="0"/>
+              <a:t>Regelt den Ablauf von gerichtlichen Verfahren</a:t>
+            </a:r>
+          </a:p>
+          <a:p>
+            <a:endParaRPr lang="de-DE" dirty="0"/>
+          </a:p>
+          <a:p>
+            <a:pPr marL="0" indent="0">
+              <a:buNone/>
+            </a:pPr>
+            <a:r>
+              <a:rPr lang="de-DE" b="1" dirty="0"/>
+              <a:t>Die wichtigsten Regelungen enthalten </a:t>
+            </a:r>
+            <a:br>
+              <a:rPr lang="de-DE" b="1" dirty="0"/>
+            </a:br>
+            <a:r>
+              <a:rPr lang="de-DE" b="1" dirty="0"/>
+              <a:t>	</a:t>
+            </a:r>
+            <a:r>
+              <a:rPr lang="de-DE" dirty="0"/>
+              <a:t>-Zivilprozessordnung (ZPO)</a:t>
+            </a:r>
+            <a:br>
+              <a:rPr lang="de-DE" dirty="0"/>
+            </a:br>
+            <a:r>
+              <a:rPr lang="de-DE" dirty="0"/>
+              <a:t>	-Außerstreitgesetz (</a:t>
+            </a:r>
+            <a:r>
+              <a:rPr lang="de-DE" dirty="0" err="1"/>
+              <a:t>AußStrG</a:t>
+            </a:r>
+            <a:r>
+              <a:rPr lang="de-DE" dirty="0"/>
+              <a:t>)</a:t>
+            </a:r>
+            <a:br>
+              <a:rPr lang="de-DE" dirty="0"/>
+            </a:br>
+            <a:r>
+              <a:rPr lang="de-DE" dirty="0"/>
+              <a:t>	-Exekutionsordnung (EO)</a:t>
+            </a:r>
+            <a:br>
+              <a:rPr lang="de-DE" dirty="0"/>
+            </a:br>
+            <a:r>
+              <a:rPr lang="de-DE" dirty="0"/>
+              <a:t>	-Insolvenzordnung (IO)</a:t>
+            </a:r>
+            <a:endParaRPr lang="de-AT" dirty="0"/>
+          </a:p>
+        </p:txBody>
+      </p:sp>
+    </p:spTree>
+    <p:extLst>
+      <p:ext uri="{BB962C8B-B14F-4D97-AF65-F5344CB8AC3E}">
+        <p14:creationId xmlns:p14="http://schemas.microsoft.com/office/powerpoint/2010/main" val="3467259874"/>
+      </p:ext>
+    </p:extLst>
+  </p:cSld>
+  <p:clrMapOvr>
+    <a:masterClrMapping/>
+  </p:clrMapOvr>
+</p:sld>
+</file>
+
+<file path=ppt/slides/slide6.xml><?xml version="1.0" encoding="utf-8"?>
+<p:sld xmlns:a="http://schemas.openxmlformats.org/drawingml/2006/main" xmlns:r="http://schemas.openxmlformats.org/officeDocument/2006/relationships" xmlns:p="http://schemas.openxmlformats.org/presentationml/2006/main">
+  <p:cSld>
+    <p:spTree>
+      <p:nvGrpSpPr>
+        <p:cNvPr id="1" name=""/>
+        <p:cNvGrpSpPr/>
+        <p:nvPr/>
+      </p:nvGrpSpPr>
+      <p:grpSpPr>
+        <a:xfrm>
+          <a:off x="0" y="0"/>
+          <a:ext cx="0" cy="0"/>
+          <a:chOff x="0" y="0"/>
+          <a:chExt cx="0" cy="0"/>
+        </a:xfrm>
+      </p:grpSpPr>
+      <p:sp>
+        <p:nvSpPr>
+          <p:cNvPr id="2" name="Titel 1">
+            <a:extLst>
+              <a:ext uri="{FF2B5EF4-FFF2-40B4-BE49-F238E27FC236}">
+                <a16:creationId xmlns:a16="http://schemas.microsoft.com/office/drawing/2014/main" id="{86524586-F054-48FF-AF55-CAB94022054B}"/>
+              </a:ext>
+            </a:extLst>
+          </p:cNvPr>
+          <p:cNvSpPr>
+            <a:spLocks noGrp="1"/>
+          </p:cNvSpPr>
+          <p:nvPr>
+            <p:ph type="title"/>
+          </p:nvPr>
+        </p:nvSpPr>
+        <p:spPr/>
+        <p:txBody>
+          <a:bodyPr>
+            <a:normAutofit/>
+          </a:bodyPr>
           <a:lstStyle/>
           <a:p>
             <a:r>
@@ -4467,6 +4794,314 @@
           <p:cNvPr id="3" name="Inhaltsplatzhalter 2">
             <a:extLst>
               <a:ext uri="{FF2B5EF4-FFF2-40B4-BE49-F238E27FC236}">
+                <a16:creationId xmlns:a16="http://schemas.microsoft.com/office/drawing/2014/main" id="{BB1A4123-642C-4C58-85C9-192B48A6B308}"/>
+              </a:ext>
+            </a:extLst>
+          </p:cNvPr>
+          <p:cNvSpPr>
+            <a:spLocks noGrp="1"/>
+          </p:cNvSpPr>
+          <p:nvPr>
+            <p:ph idx="1"/>
+          </p:nvPr>
+        </p:nvSpPr>
+        <p:spPr/>
+        <p:txBody>
+          <a:bodyPr/>
+          <a:lstStyle/>
+          <a:p>
+            <a:pPr marL="0" indent="0">
+              <a:buNone/>
+            </a:pPr>
+            <a:r>
+              <a:rPr lang="de-AT" b="1" dirty="0"/>
+              <a:t>Rechtsgebiet &amp; Anspruch:</a:t>
+            </a:r>
+            <a:br>
+              <a:rPr lang="de-AT" dirty="0"/>
+            </a:br>
+            <a:r>
+              <a:rPr lang="de-AT" dirty="0"/>
+              <a:t>	-Ein Teil des Privatrechts</a:t>
+            </a:r>
+            <a:br>
+              <a:rPr lang="de-AT" dirty="0"/>
+            </a:br>
+            <a:r>
+              <a:rPr lang="de-AT" dirty="0"/>
+              <a:t>	-Jede Privatperson</a:t>
+            </a:r>
+            <a:br>
+              <a:rPr lang="de-AT" dirty="0"/>
+            </a:br>
+            <a:r>
+              <a:rPr lang="de-AT" dirty="0"/>
+              <a:t>	-Der Anspruch richtet sich (häufig) auf</a:t>
+            </a:r>
+            <a:br>
+              <a:rPr lang="de-AT" dirty="0"/>
+            </a:br>
+            <a:r>
+              <a:rPr lang="de-AT" dirty="0"/>
+              <a:t>	 Zahlung eines Geldbetrags</a:t>
+            </a:r>
+          </a:p>
+          <a:p>
+            <a:pPr marL="0" indent="0">
+              <a:buNone/>
+            </a:pPr>
+            <a:r>
+              <a:rPr lang="de-AT" b="1" dirty="0"/>
+              <a:t>Sind Gerichtsverfahren vermeidbar?</a:t>
+            </a:r>
+            <a:br>
+              <a:rPr lang="de-AT" b="1" dirty="0"/>
+            </a:br>
+            <a:r>
+              <a:rPr lang="de-AT" b="1" dirty="0"/>
+              <a:t>	</a:t>
+            </a:r>
+            <a:r>
+              <a:rPr lang="de-AT" dirty="0"/>
+              <a:t>-Ja, durch Einigung und Verzicht</a:t>
+            </a:r>
+          </a:p>
+          <a:p>
+            <a:pPr marL="0" indent="0">
+              <a:buNone/>
+            </a:pPr>
+            <a:endParaRPr lang="de-AT" dirty="0"/>
+          </a:p>
+          <a:p>
+            <a:pPr marL="0" indent="0">
+              <a:buNone/>
+            </a:pPr>
+            <a:endParaRPr lang="en-GB" dirty="0"/>
+          </a:p>
+          <a:p>
+            <a:endParaRPr lang="de-AT" dirty="0"/>
+          </a:p>
+        </p:txBody>
+      </p:sp>
+    </p:spTree>
+    <p:extLst>
+      <p:ext uri="{BB962C8B-B14F-4D97-AF65-F5344CB8AC3E}">
+        <p14:creationId xmlns:p14="http://schemas.microsoft.com/office/powerpoint/2010/main" val="4120101375"/>
+      </p:ext>
+    </p:extLst>
+  </p:cSld>
+  <p:clrMapOvr>
+    <a:masterClrMapping/>
+  </p:clrMapOvr>
+</p:sld>
+</file>
+
+<file path=ppt/slides/slide7.xml><?xml version="1.0" encoding="utf-8"?>
+<p:sld xmlns:a="http://schemas.openxmlformats.org/drawingml/2006/main" xmlns:r="http://schemas.openxmlformats.org/officeDocument/2006/relationships" xmlns:p="http://schemas.openxmlformats.org/presentationml/2006/main">
+  <p:cSld>
+    <p:spTree>
+      <p:nvGrpSpPr>
+        <p:cNvPr id="1" name=""/>
+        <p:cNvGrpSpPr/>
+        <p:nvPr/>
+      </p:nvGrpSpPr>
+      <p:grpSpPr>
+        <a:xfrm>
+          <a:off x="0" y="0"/>
+          <a:ext cx="0" cy="0"/>
+          <a:chOff x="0" y="0"/>
+          <a:chExt cx="0" cy="0"/>
+        </a:xfrm>
+      </p:grpSpPr>
+      <p:sp>
+        <p:nvSpPr>
+          <p:cNvPr id="2" name="Titel 1">
+            <a:extLst>
+              <a:ext uri="{FF2B5EF4-FFF2-40B4-BE49-F238E27FC236}">
+                <a16:creationId xmlns:a16="http://schemas.microsoft.com/office/drawing/2014/main" id="{A2D442B6-1C24-482D-950A-4E6FA60A973C}"/>
+              </a:ext>
+            </a:extLst>
+          </p:cNvPr>
+          <p:cNvSpPr>
+            <a:spLocks noGrp="1"/>
+          </p:cNvSpPr>
+          <p:nvPr>
+            <p:ph type="title"/>
+          </p:nvPr>
+        </p:nvSpPr>
+        <p:spPr/>
+        <p:txBody>
+          <a:bodyPr/>
+          <a:lstStyle/>
+          <a:p>
+            <a:r>
+              <a:rPr lang="de-AT" sz="3600" dirty="0"/>
+              <a:t>Eigenschaften des</a:t>
+            </a:r>
+            <a:r>
+              <a:rPr lang="en-GB" sz="3600" dirty="0"/>
+              <a:t> </a:t>
+            </a:r>
+            <a:r>
+              <a:rPr lang="de-AT" sz="3600" dirty="0"/>
+              <a:t>Zivilrechts</a:t>
+            </a:r>
+            <a:endParaRPr lang="de-AT" dirty="0"/>
+          </a:p>
+        </p:txBody>
+      </p:sp>
+      <p:sp>
+        <p:nvSpPr>
+          <p:cNvPr id="3" name="Inhaltsplatzhalter 2">
+            <a:extLst>
+              <a:ext uri="{FF2B5EF4-FFF2-40B4-BE49-F238E27FC236}">
+                <a16:creationId xmlns:a16="http://schemas.microsoft.com/office/drawing/2014/main" id="{813E75D4-B9F2-4AC2-8354-7F88F6A63108}"/>
+              </a:ext>
+            </a:extLst>
+          </p:cNvPr>
+          <p:cNvSpPr>
+            <a:spLocks noGrp="1"/>
+          </p:cNvSpPr>
+          <p:nvPr>
+            <p:ph idx="1"/>
+          </p:nvPr>
+        </p:nvSpPr>
+        <p:spPr/>
+        <p:txBody>
+          <a:bodyPr/>
+          <a:lstStyle/>
+          <a:p>
+            <a:pPr marL="0" indent="0">
+              <a:buNone/>
+            </a:pPr>
+            <a:r>
+              <a:rPr lang="de-AT" b="1" noProof="1"/>
+              <a:t>Auf jeden Fall anwesende</a:t>
+            </a:r>
+            <a:r>
+              <a:rPr lang="en-GB" b="1" dirty="0"/>
+              <a:t> </a:t>
+            </a:r>
+            <a:r>
+              <a:rPr lang="de-AT" b="1" dirty="0"/>
+              <a:t>bei einem Gerichtsverfahren:</a:t>
+            </a:r>
+            <a:br>
+              <a:rPr lang="de-AT" b="1" dirty="0"/>
+            </a:br>
+            <a:r>
+              <a:rPr lang="de-AT" b="1" dirty="0"/>
+              <a:t>	</a:t>
+            </a:r>
+            <a:r>
+              <a:rPr lang="de-AT" dirty="0"/>
+              <a:t>-Kläger, Beklagter und Berufsrichter</a:t>
+            </a:r>
+          </a:p>
+          <a:p>
+            <a:endParaRPr lang="de-AT" dirty="0"/>
+          </a:p>
+          <a:p>
+            <a:pPr marL="0" indent="0">
+              <a:buNone/>
+            </a:pPr>
+            <a:r>
+              <a:rPr lang="de-AT" b="1" dirty="0"/>
+              <a:t>Wie wird das Verfahren eingeleitet:</a:t>
+            </a:r>
+            <a:br>
+              <a:rPr lang="de-AT" b="1" dirty="0"/>
+            </a:br>
+            <a:r>
+              <a:rPr lang="de-AT" b="1" dirty="0"/>
+              <a:t>	</a:t>
+            </a:r>
+            <a:r>
+              <a:rPr lang="de-AT" dirty="0"/>
+              <a:t>-Klage vom Kläger</a:t>
+            </a:r>
+            <a:br>
+              <a:rPr lang="de-AT" dirty="0"/>
+            </a:br>
+            <a:r>
+              <a:rPr lang="de-AT" dirty="0"/>
+              <a:t>	-Klage ist gegen Beklagten</a:t>
+            </a:r>
+          </a:p>
+        </p:txBody>
+      </p:sp>
+    </p:spTree>
+    <p:extLst>
+      <p:ext uri="{BB962C8B-B14F-4D97-AF65-F5344CB8AC3E}">
+        <p14:creationId xmlns:p14="http://schemas.microsoft.com/office/powerpoint/2010/main" val="712506801"/>
+      </p:ext>
+    </p:extLst>
+  </p:cSld>
+  <p:clrMapOvr>
+    <a:masterClrMapping/>
+  </p:clrMapOvr>
+</p:sld>
+</file>
+
+<file path=ppt/slides/slide8.xml><?xml version="1.0" encoding="utf-8"?>
+<p:sld xmlns:a="http://schemas.openxmlformats.org/drawingml/2006/main" xmlns:r="http://schemas.openxmlformats.org/officeDocument/2006/relationships" xmlns:p="http://schemas.openxmlformats.org/presentationml/2006/main">
+  <p:cSld>
+    <p:spTree>
+      <p:nvGrpSpPr>
+        <p:cNvPr id="1" name=""/>
+        <p:cNvGrpSpPr/>
+        <p:nvPr/>
+      </p:nvGrpSpPr>
+      <p:grpSpPr>
+        <a:xfrm>
+          <a:off x="0" y="0"/>
+          <a:ext cx="0" cy="0"/>
+          <a:chOff x="0" y="0"/>
+          <a:chExt cx="0" cy="0"/>
+        </a:xfrm>
+      </p:grpSpPr>
+      <p:sp>
+        <p:nvSpPr>
+          <p:cNvPr id="2" name="Titel 1">
+            <a:extLst>
+              <a:ext uri="{FF2B5EF4-FFF2-40B4-BE49-F238E27FC236}">
+                <a16:creationId xmlns:a16="http://schemas.microsoft.com/office/drawing/2014/main" id="{02D412D0-5EAF-4BD1-8CD6-6274A84295EA}"/>
+              </a:ext>
+            </a:extLst>
+          </p:cNvPr>
+          <p:cNvSpPr>
+            <a:spLocks noGrp="1"/>
+          </p:cNvSpPr>
+          <p:nvPr>
+            <p:ph type="title"/>
+          </p:nvPr>
+        </p:nvSpPr>
+        <p:spPr/>
+        <p:txBody>
+          <a:bodyPr/>
+          <a:lstStyle/>
+          <a:p>
+            <a:r>
+              <a:rPr lang="de-AT" sz="3600" dirty="0"/>
+              <a:t>Eigenschaften des</a:t>
+            </a:r>
+            <a:r>
+              <a:rPr lang="en-GB" sz="3600" dirty="0"/>
+              <a:t> </a:t>
+            </a:r>
+            <a:r>
+              <a:rPr lang="de-AT" sz="3600" dirty="0"/>
+              <a:t>Zivilrechts</a:t>
+            </a:r>
+            <a:endParaRPr lang="de-AT" dirty="0"/>
+          </a:p>
+        </p:txBody>
+      </p:sp>
+      <p:sp>
+        <p:nvSpPr>
+          <p:cNvPr id="3" name="Inhaltsplatzhalter 2">
+            <a:extLst>
+              <a:ext uri="{FF2B5EF4-FFF2-40B4-BE49-F238E27FC236}">
                 <a16:creationId xmlns:a16="http://schemas.microsoft.com/office/drawing/2014/main" id="{169FF7B9-F008-4175-977D-80DF12A84C49}"/>
               </a:ext>
             </a:extLst>
@@ -4483,7 +5118,65 @@
           <a:bodyPr/>
           <a:lstStyle/>
           <a:p>
-            <a:endParaRPr lang="de-AT"/>
+            <a:pPr marL="0" indent="0">
+              <a:buNone/>
+            </a:pPr>
+            <a:r>
+              <a:rPr lang="de-AT" b="1" noProof="1"/>
+              <a:t>Mögliche anwesende</a:t>
+            </a:r>
+            <a:r>
+              <a:rPr lang="en-GB" b="1" dirty="0"/>
+              <a:t> </a:t>
+            </a:r>
+            <a:r>
+              <a:rPr lang="de-AT" b="1" dirty="0"/>
+              <a:t>bei einem Gerichtsverfahren:</a:t>
+            </a:r>
+            <a:br>
+              <a:rPr lang="de-AT" b="1" dirty="0"/>
+            </a:br>
+            <a:r>
+              <a:rPr lang="de-AT" b="1" dirty="0"/>
+              <a:t>	</a:t>
+            </a:r>
+            <a:r>
+              <a:rPr lang="de-AT" dirty="0"/>
+              <a:t>-Rechtsanwälte, Zeugen, Dolmetscher,</a:t>
+            </a:r>
+            <a:br>
+              <a:rPr lang="de-AT" dirty="0"/>
+            </a:br>
+            <a:r>
+              <a:rPr lang="de-AT" dirty="0"/>
+              <a:t>	 Sachverständiger, Schriftführer</a:t>
+            </a:r>
+          </a:p>
+          <a:p>
+            <a:pPr marL="0" indent="0">
+              <a:buNone/>
+            </a:pPr>
+            <a:endParaRPr lang="de-AT" dirty="0"/>
+          </a:p>
+          <a:p>
+            <a:pPr marL="0" indent="0">
+              <a:buNone/>
+            </a:pPr>
+            <a:r>
+              <a:rPr lang="de-AT" b="1" dirty="0"/>
+              <a:t>Wer trägt die Beweislast:</a:t>
+            </a:r>
+            <a:br>
+              <a:rPr lang="de-AT" b="1" dirty="0"/>
+            </a:br>
+            <a:r>
+              <a:rPr lang="de-AT" b="1" dirty="0"/>
+              <a:t>	</a:t>
+            </a:r>
+            <a:r>
+              <a:rPr lang="de-AT" dirty="0"/>
+              <a:t>-In der Regel der Kläger</a:t>
+            </a:r>
           </a:p>
         </p:txBody>
       </p:sp>
@@ -4491,6 +5184,185 @@
     <p:extLst>
       <p:ext uri="{BB962C8B-B14F-4D97-AF65-F5344CB8AC3E}">
         <p14:creationId xmlns:p14="http://schemas.microsoft.com/office/powerpoint/2010/main" val="4104077374"/>
+      </p:ext>
+    </p:extLst>
+  </p:cSld>
+  <p:clrMapOvr>
+    <a:masterClrMapping/>
+  </p:clrMapOvr>
+</p:sld>
+</file>
+
+<file path=ppt/slides/slide9.xml><?xml version="1.0" encoding="utf-8"?>
+<p:sld xmlns:a="http://schemas.openxmlformats.org/drawingml/2006/main" xmlns:r="http://schemas.openxmlformats.org/officeDocument/2006/relationships" xmlns:p="http://schemas.openxmlformats.org/presentationml/2006/main">
+  <p:cSld>
+    <p:spTree>
+      <p:nvGrpSpPr>
+        <p:cNvPr id="1" name=""/>
+        <p:cNvGrpSpPr/>
+        <p:nvPr/>
+      </p:nvGrpSpPr>
+      <p:grpSpPr>
+        <a:xfrm>
+          <a:off x="0" y="0"/>
+          <a:ext cx="0" cy="0"/>
+          <a:chOff x="0" y="0"/>
+          <a:chExt cx="0" cy="0"/>
+        </a:xfrm>
+      </p:grpSpPr>
+      <p:sp>
+        <p:nvSpPr>
+          <p:cNvPr id="2" name="Titel 1">
+            <a:extLst>
+              <a:ext uri="{FF2B5EF4-FFF2-40B4-BE49-F238E27FC236}">
+                <a16:creationId xmlns:a16="http://schemas.microsoft.com/office/drawing/2014/main" id="{2EA33FBE-46C4-4D76-A775-8A282938CE62}"/>
+              </a:ext>
+            </a:extLst>
+          </p:cNvPr>
+          <p:cNvSpPr>
+            <a:spLocks noGrp="1"/>
+          </p:cNvSpPr>
+          <p:nvPr>
+            <p:ph type="title"/>
+          </p:nvPr>
+        </p:nvSpPr>
+        <p:spPr/>
+        <p:txBody>
+          <a:bodyPr/>
+          <a:lstStyle/>
+          <a:p>
+            <a:r>
+              <a:rPr lang="de-AT" sz="3600" dirty="0"/>
+              <a:t>Eigenschaften des</a:t>
+            </a:r>
+            <a:r>
+              <a:rPr lang="en-GB" sz="3600" dirty="0"/>
+              <a:t> </a:t>
+            </a:r>
+            <a:r>
+              <a:rPr lang="de-AT" sz="3600" dirty="0"/>
+              <a:t>Zivilrechts</a:t>
+            </a:r>
+            <a:endParaRPr lang="de-AT" dirty="0"/>
+          </a:p>
+        </p:txBody>
+      </p:sp>
+      <p:sp>
+        <p:nvSpPr>
+          <p:cNvPr id="3" name="Inhaltsplatzhalter 2">
+            <a:extLst>
+              <a:ext uri="{FF2B5EF4-FFF2-40B4-BE49-F238E27FC236}">
+                <a16:creationId xmlns:a16="http://schemas.microsoft.com/office/drawing/2014/main" id="{10006006-5C60-49C4-BB8D-3E511E1BC83F}"/>
+              </a:ext>
+            </a:extLst>
+          </p:cNvPr>
+          <p:cNvSpPr>
+            <a:spLocks noGrp="1"/>
+          </p:cNvSpPr>
+          <p:nvPr>
+            <p:ph idx="1"/>
+          </p:nvPr>
+        </p:nvSpPr>
+        <p:spPr/>
+        <p:txBody>
+          <a:bodyPr>
+            <a:normAutofit/>
+          </a:bodyPr>
+          <a:lstStyle/>
+          <a:p>
+            <a:pPr marL="0" lvl="0" indent="0">
+              <a:lnSpc>
+                <a:spcPct val="107000"/>
+              </a:lnSpc>
+              <a:buNone/>
+            </a:pPr>
+            <a:r>
+              <a:rPr lang="de-AT" b="1" dirty="0"/>
+              <a:t>Wie endet ein Verfahren:</a:t>
+            </a:r>
+            <a:br>
+              <a:rPr lang="de-AT" b="1" dirty="0"/>
+            </a:br>
+            <a:r>
+              <a:rPr lang="de-AT" b="1" dirty="0"/>
+              <a:t>	</a:t>
+            </a:r>
+            <a:r>
+              <a:rPr lang="de-AT" dirty="0"/>
+              <a:t>-Urteil zugunsten des Klägers fällt</a:t>
+            </a:r>
+            <a:br>
+              <a:rPr lang="de-AT" dirty="0"/>
+            </a:br>
+            <a:r>
+              <a:rPr lang="de-AT" dirty="0"/>
+              <a:t>	-Urteil zugunsten des Beklagten fällt</a:t>
+            </a:r>
+            <a:br>
+              <a:rPr lang="de-AT" dirty="0"/>
+            </a:br>
+            <a:r>
+              <a:rPr lang="de-AT" dirty="0"/>
+              <a:t>	-Der Klage wird teilweise stattgegeben</a:t>
+            </a:r>
+            <a:br>
+              <a:rPr lang="de-AT" dirty="0"/>
+            </a:br>
+            <a:r>
+              <a:rPr lang="de-AT" dirty="0"/>
+              <a:t>	-Vergleich (Einigung zwischen den Parteien)</a:t>
+            </a:r>
+          </a:p>
+          <a:p>
+            <a:pPr marL="0" lvl="0" indent="0">
+              <a:lnSpc>
+                <a:spcPct val="107000"/>
+              </a:lnSpc>
+              <a:buNone/>
+            </a:pPr>
+            <a:endParaRPr lang="de-AT" dirty="0"/>
+          </a:p>
+          <a:p>
+            <a:pPr marL="0" lvl="0" indent="0">
+              <a:lnSpc>
+                <a:spcPct val="107000"/>
+              </a:lnSpc>
+              <a:buNone/>
+            </a:pPr>
+            <a:r>
+              <a:rPr lang="de-AT" b="1" dirty="0"/>
+              <a:t>Welche Rechtsmittel kann man ergreifen: </a:t>
+            </a:r>
+            <a:r>
+              <a:rPr lang="de-AT" dirty="0"/>
+              <a:t>Berufung in die nächste Instanz</a:t>
+            </a:r>
+          </a:p>
+          <a:p>
+            <a:pPr marL="0" indent="0">
+              <a:buNone/>
+            </a:pPr>
+            <a:r>
+              <a:rPr lang="de-AT" b="1" dirty="0"/>
+              <a:t>Wer trägt die Kosten: </a:t>
+            </a:r>
+            <a:r>
+              <a:rPr lang="de-AT" dirty="0"/>
+              <a:t>Die Person, die verliert</a:t>
+            </a:r>
+          </a:p>
+          <a:p>
+            <a:pPr marL="0" indent="0">
+              <a:buNone/>
+            </a:pPr>
+            <a:endParaRPr lang="de-AT" dirty="0"/>
+          </a:p>
+        </p:txBody>
+      </p:sp>
+    </p:spTree>
+    <p:extLst>
+      <p:ext uri="{BB962C8B-B14F-4D97-AF65-F5344CB8AC3E}">
+        <p14:creationId xmlns:p14="http://schemas.microsoft.com/office/powerpoint/2010/main" val="134207264"/>
       </p:ext>
     </p:extLst>
   </p:cSld>

--- a/BWM - Werner Baumgartner/Zivilrecht.pptx
+++ b/BWM - Werner Baumgartner/Zivilrecht.pptx
@@ -8,12 +8,14 @@
     <p:sldId id="256" r:id="rId2"/>
     <p:sldId id="263" r:id="rId3"/>
     <p:sldId id="264" r:id="rId4"/>
-    <p:sldId id="265" r:id="rId5"/>
-    <p:sldId id="266" r:id="rId6"/>
-    <p:sldId id="258" r:id="rId7"/>
-    <p:sldId id="259" r:id="rId8"/>
-    <p:sldId id="260" r:id="rId9"/>
-    <p:sldId id="261" r:id="rId10"/>
+    <p:sldId id="267" r:id="rId5"/>
+    <p:sldId id="268" r:id="rId6"/>
+    <p:sldId id="266" r:id="rId7"/>
+    <p:sldId id="265" r:id="rId8"/>
+    <p:sldId id="258" r:id="rId9"/>
+    <p:sldId id="259" r:id="rId10"/>
+    <p:sldId id="260" r:id="rId11"/>
+    <p:sldId id="261" r:id="rId12"/>
   </p:sldIdLst>
   <p:sldSz cx="12192000" cy="6858000"/>
   <p:notesSz cx="6858000" cy="9144000"/>
@@ -120,6 +122,119 @@
 </p:presentation>
 </file>
 
+<file path=ppt/revisionInfo.xml><?xml version="1.0" encoding="utf-8"?>
+<p1510:revInfo xmlns:a="http://schemas.openxmlformats.org/drawingml/2006/main" xmlns:r="http://schemas.openxmlformats.org/officeDocument/2006/relationships" xmlns:p1510="http://schemas.microsoft.com/office/powerpoint/2015/10/main">
+  <p1510:revLst>
+    <p1510:client id="{CCDB026E-3B9E-43F8-9AAE-9BD72540FE10}" v="1" dt="2021-11-18T07:33:02.452"/>
+  </p1510:revLst>
+</p1510:revInfo>
+</file>
+
+<file path=ppt/changesInfos/changesInfo1.xml><?xml version="1.0" encoding="utf-8"?>
+<pc:chgInfo xmlns:a="http://schemas.openxmlformats.org/drawingml/2006/main" xmlns:r="http://schemas.openxmlformats.org/officeDocument/2006/relationships" xmlns:ac="http://schemas.microsoft.com/office/drawing/2013/main/command" xmlns:pc="http://schemas.microsoft.com/office/powerpoint/2013/main/command">
+  <pc:docChgLst>
+    <pc:chgData name="Armin Schneider" userId="4904bfd93c97bef6" providerId="LiveId" clId="{CCDB026E-3B9E-43F8-9AAE-9BD72540FE10}"/>
+    <pc:docChg chg="undo custSel addSld delSld modSld sldOrd">
+      <pc:chgData name="Armin Schneider" userId="4904bfd93c97bef6" providerId="LiveId" clId="{CCDB026E-3B9E-43F8-9AAE-9BD72540FE10}" dt="2021-11-18T07:33:21.001" v="225" actId="47"/>
+      <pc:docMkLst>
+        <pc:docMk/>
+      </pc:docMkLst>
+      <pc:sldChg chg="modSp mod">
+        <pc:chgData name="Armin Schneider" userId="4904bfd93c97bef6" providerId="LiveId" clId="{CCDB026E-3B9E-43F8-9AAE-9BD72540FE10}" dt="2021-11-18T07:03:55.513" v="183" actId="20577"/>
+        <pc:sldMkLst>
+          <pc:docMk/>
+          <pc:sldMk cId="2019159296" sldId="263"/>
+        </pc:sldMkLst>
+        <pc:spChg chg="mod">
+          <ac:chgData name="Armin Schneider" userId="4904bfd93c97bef6" providerId="LiveId" clId="{CCDB026E-3B9E-43F8-9AAE-9BD72540FE10}" dt="2021-11-18T07:03:55.513" v="183" actId="20577"/>
+          <ac:spMkLst>
+            <pc:docMk/>
+            <pc:sldMk cId="2019159296" sldId="263"/>
+            <ac:spMk id="3" creationId="{AF3D7BF1-BE22-47D1-BB70-E5D4B3785AD2}"/>
+          </ac:spMkLst>
+        </pc:spChg>
+      </pc:sldChg>
+      <pc:sldChg chg="ord">
+        <pc:chgData name="Armin Schneider" userId="4904bfd93c97bef6" providerId="LiveId" clId="{CCDB026E-3B9E-43F8-9AAE-9BD72540FE10}" dt="2021-11-18T07:23:00.627" v="203"/>
+        <pc:sldMkLst>
+          <pc:docMk/>
+          <pc:sldMk cId="3467259874" sldId="266"/>
+        </pc:sldMkLst>
+      </pc:sldChg>
+      <pc:sldChg chg="modSp new mod">
+        <pc:chgData name="Armin Schneider" userId="4904bfd93c97bef6" providerId="LiveId" clId="{CCDB026E-3B9E-43F8-9AAE-9BD72540FE10}" dt="2021-11-18T07:11:16.866" v="201" actId="20577"/>
+        <pc:sldMkLst>
+          <pc:docMk/>
+          <pc:sldMk cId="381714346" sldId="267"/>
+        </pc:sldMkLst>
+        <pc:spChg chg="mod">
+          <ac:chgData name="Armin Schneider" userId="4904bfd93c97bef6" providerId="LiveId" clId="{CCDB026E-3B9E-43F8-9AAE-9BD72540FE10}" dt="2021-11-18T06:35:36.266" v="77" actId="790"/>
+          <ac:spMkLst>
+            <pc:docMk/>
+            <pc:sldMk cId="381714346" sldId="267"/>
+            <ac:spMk id="2" creationId="{CABE5765-291E-4EC5-BD04-79067133A1C6}"/>
+          </ac:spMkLst>
+        </pc:spChg>
+        <pc:spChg chg="mod">
+          <ac:chgData name="Armin Schneider" userId="4904bfd93c97bef6" providerId="LiveId" clId="{CCDB026E-3B9E-43F8-9AAE-9BD72540FE10}" dt="2021-11-18T07:11:16.866" v="201" actId="20577"/>
+          <ac:spMkLst>
+            <pc:docMk/>
+            <pc:sldMk cId="381714346" sldId="267"/>
+            <ac:spMk id="3" creationId="{46EEFAD2-42F2-4F83-9913-87B2DF63E6C6}"/>
+          </ac:spMkLst>
+        </pc:spChg>
+      </pc:sldChg>
+      <pc:sldChg chg="modSp new mod">
+        <pc:chgData name="Armin Schneider" userId="4904bfd93c97bef6" providerId="LiveId" clId="{CCDB026E-3B9E-43F8-9AAE-9BD72540FE10}" dt="2021-11-18T06:58:45.714" v="181" actId="113"/>
+        <pc:sldMkLst>
+          <pc:docMk/>
+          <pc:sldMk cId="2722369127" sldId="268"/>
+        </pc:sldMkLst>
+        <pc:spChg chg="mod">
+          <ac:chgData name="Armin Schneider" userId="4904bfd93c97bef6" providerId="LiveId" clId="{CCDB026E-3B9E-43F8-9AAE-9BD72540FE10}" dt="2021-11-18T06:44:41.662" v="122"/>
+          <ac:spMkLst>
+            <pc:docMk/>
+            <pc:sldMk cId="2722369127" sldId="268"/>
+            <ac:spMk id="2" creationId="{60BD533F-F451-4235-8FD6-F66752BA7CD9}"/>
+          </ac:spMkLst>
+        </pc:spChg>
+        <pc:spChg chg="mod">
+          <ac:chgData name="Armin Schneider" userId="4904bfd93c97bef6" providerId="LiveId" clId="{CCDB026E-3B9E-43F8-9AAE-9BD72540FE10}" dt="2021-11-18T06:58:45.714" v="181" actId="113"/>
+          <ac:spMkLst>
+            <pc:docMk/>
+            <pc:sldMk cId="2722369127" sldId="268"/>
+            <ac:spMk id="3" creationId="{3C7B8385-877B-4B25-8E10-1C9CCB5D526C}"/>
+          </ac:spMkLst>
+        </pc:spChg>
+      </pc:sldChg>
+      <pc:sldChg chg="modSp new del mod">
+        <pc:chgData name="Armin Schneider" userId="4904bfd93c97bef6" providerId="LiveId" clId="{CCDB026E-3B9E-43F8-9AAE-9BD72540FE10}" dt="2021-11-18T07:33:21.001" v="225" actId="47"/>
+        <pc:sldMkLst>
+          <pc:docMk/>
+          <pc:sldMk cId="2273643712" sldId="269"/>
+        </pc:sldMkLst>
+        <pc:spChg chg="mod">
+          <ac:chgData name="Armin Schneider" userId="4904bfd93c97bef6" providerId="LiveId" clId="{CCDB026E-3B9E-43F8-9AAE-9BD72540FE10}" dt="2021-11-18T07:32:50.124" v="213" actId="20577"/>
+          <ac:spMkLst>
+            <pc:docMk/>
+            <pc:sldMk cId="2273643712" sldId="269"/>
+            <ac:spMk id="2" creationId="{FB35F297-ED7F-4506-9265-FD920F657552}"/>
+          </ac:spMkLst>
+        </pc:spChg>
+        <pc:spChg chg="mod">
+          <ac:chgData name="Armin Schneider" userId="4904bfd93c97bef6" providerId="LiveId" clId="{CCDB026E-3B9E-43F8-9AAE-9BD72540FE10}" dt="2021-11-18T07:33:06.450" v="224" actId="20577"/>
+          <ac:spMkLst>
+            <pc:docMk/>
+            <pc:sldMk cId="2273643712" sldId="269"/>
+            <ac:spMk id="3" creationId="{C72BC036-0663-41A8-B705-703379457F8A}"/>
+          </ac:spMkLst>
+        </pc:spChg>
+      </pc:sldChg>
+    </pc:docChg>
+  </pc:docChgLst>
+</pc:chgInfo>
+</file>
+
 <file path=ppt/slideLayouts/slideLayout1.xml><?xml version="1.0" encoding="utf-8"?>
 <p:sldLayout xmlns:a="http://schemas.openxmlformats.org/drawingml/2006/main" xmlns:r="http://schemas.openxmlformats.org/officeDocument/2006/relationships" xmlns:p="http://schemas.openxmlformats.org/presentationml/2006/main" type="title" preserve="1">
   <p:cSld name="Title Slide">
@@ -332,7 +447,7 @@
           <a:p>
             <a:fld id="{C01389E6-C847-4AD0-B56D-D205B2EAB1EE}" type="slidenum">
               <a:rPr lang="en-US" smtClean="0"/>
-              <a:t>‹Nr.›</a:t>
+              <a:t>‹#›</a:t>
             </a:fld>
             <a:endParaRPr lang="en-US"/>
           </a:p>
@@ -530,7 +645,7 @@
           <a:p>
             <a:fld id="{C01389E6-C847-4AD0-B56D-D205B2EAB1EE}" type="slidenum">
               <a:rPr lang="en-US" smtClean="0"/>
-              <a:t>‹Nr.›</a:t>
+              <a:t>‹#›</a:t>
             </a:fld>
             <a:endParaRPr lang="en-US"/>
           </a:p>
@@ -740,7 +855,7 @@
           <a:p>
             <a:fld id="{C01389E6-C847-4AD0-B56D-D205B2EAB1EE}" type="slidenum">
               <a:rPr lang="en-US" smtClean="0"/>
-              <a:t>‹Nr.›</a:t>
+              <a:t>‹#›</a:t>
             </a:fld>
             <a:endParaRPr lang="en-US"/>
           </a:p>
@@ -939,7 +1054,7 @@
           <a:p>
             <a:fld id="{C01389E6-C847-4AD0-B56D-D205B2EAB1EE}" type="slidenum">
               <a:rPr lang="en-US" smtClean="0"/>
-              <a:t>‹Nr.›</a:t>
+              <a:t>‹#›</a:t>
             </a:fld>
             <a:endParaRPr lang="en-US"/>
           </a:p>
@@ -1220,7 +1335,7 @@
           <a:p>
             <a:fld id="{C01389E6-C847-4AD0-B56D-D205B2EAB1EE}" type="slidenum">
               <a:rPr lang="en-US" smtClean="0"/>
-              <a:t>‹Nr.›</a:t>
+              <a:t>‹#›</a:t>
             </a:fld>
             <a:endParaRPr lang="en-US"/>
           </a:p>
@@ -1488,7 +1603,7 @@
           <a:p>
             <a:fld id="{C01389E6-C847-4AD0-B56D-D205B2EAB1EE}" type="slidenum">
               <a:rPr lang="en-US" smtClean="0"/>
-              <a:t>‹Nr.›</a:t>
+              <a:t>‹#›</a:t>
             </a:fld>
             <a:endParaRPr lang="en-US"/>
           </a:p>
@@ -1869,7 +1984,7 @@
           <a:p>
             <a:fld id="{C01389E6-C847-4AD0-B56D-D205B2EAB1EE}" type="slidenum">
               <a:rPr lang="en-US" smtClean="0"/>
-              <a:t>‹Nr.›</a:t>
+              <a:t>‹#›</a:t>
             </a:fld>
             <a:endParaRPr lang="en-US"/>
           </a:p>
@@ -2039,7 +2154,7 @@
           <a:p>
             <a:fld id="{C01389E6-C847-4AD0-B56D-D205B2EAB1EE}" type="slidenum">
               <a:rPr lang="en-US" smtClean="0"/>
-              <a:t>‹Nr.›</a:t>
+              <a:t>‹#›</a:t>
             </a:fld>
             <a:endParaRPr lang="en-US"/>
           </a:p>
@@ -2152,7 +2267,7 @@
           <a:p>
             <a:fld id="{C01389E6-C847-4AD0-B56D-D205B2EAB1EE}" type="slidenum">
               <a:rPr lang="en-US" smtClean="0"/>
-              <a:t>‹Nr.›</a:t>
+              <a:t>‹#›</a:t>
             </a:fld>
             <a:endParaRPr lang="en-US"/>
           </a:p>
@@ -2469,7 +2584,7 @@
           <a:p>
             <a:fld id="{C01389E6-C847-4AD0-B56D-D205B2EAB1EE}" type="slidenum">
               <a:rPr lang="en-US" smtClean="0"/>
-              <a:t>‹Nr.›</a:t>
+              <a:t>‹#›</a:t>
             </a:fld>
             <a:endParaRPr lang="en-US"/>
           </a:p>
@@ -2761,7 +2876,7 @@
           <a:p>
             <a:fld id="{C01389E6-C847-4AD0-B56D-D205B2EAB1EE}" type="slidenum">
               <a:rPr lang="en-US" smtClean="0"/>
-              <a:t>‹Nr.›</a:t>
+              <a:t>‹#›</a:t>
             </a:fld>
             <a:endParaRPr lang="en-US"/>
           </a:p>
@@ -3164,7 +3279,7 @@
             <a:fld id="{C01389E6-C847-4AD0-B56D-D205B2EAB1EE}" type="slidenum">
               <a:rPr lang="en-US" smtClean="0"/>
               <a:pPr/>
-              <a:t>‹Nr.›</a:t>
+              <a:t>‹#›</a:t>
             </a:fld>
             <a:endParaRPr lang="en-US" sz="800" dirty="0"/>
           </a:p>
@@ -4108,6 +4223,335 @@
 </p:sld>
 </file>
 
+<file path=ppt/slides/slide10.xml><?xml version="1.0" encoding="utf-8"?>
+<p:sld xmlns:a="http://schemas.openxmlformats.org/drawingml/2006/main" xmlns:r="http://schemas.openxmlformats.org/officeDocument/2006/relationships" xmlns:p="http://schemas.openxmlformats.org/presentationml/2006/main">
+  <p:cSld>
+    <p:spTree>
+      <p:nvGrpSpPr>
+        <p:cNvPr id="1" name=""/>
+        <p:cNvGrpSpPr/>
+        <p:nvPr/>
+      </p:nvGrpSpPr>
+      <p:grpSpPr>
+        <a:xfrm>
+          <a:off x="0" y="0"/>
+          <a:ext cx="0" cy="0"/>
+          <a:chOff x="0" y="0"/>
+          <a:chExt cx="0" cy="0"/>
+        </a:xfrm>
+      </p:grpSpPr>
+      <p:sp>
+        <p:nvSpPr>
+          <p:cNvPr id="2" name="Titel 1">
+            <a:extLst>
+              <a:ext uri="{FF2B5EF4-FFF2-40B4-BE49-F238E27FC236}">
+                <a16:creationId xmlns:a16="http://schemas.microsoft.com/office/drawing/2014/main" id="{02D412D0-5EAF-4BD1-8CD6-6274A84295EA}"/>
+              </a:ext>
+            </a:extLst>
+          </p:cNvPr>
+          <p:cNvSpPr>
+            <a:spLocks noGrp="1"/>
+          </p:cNvSpPr>
+          <p:nvPr>
+            <p:ph type="title"/>
+          </p:nvPr>
+        </p:nvSpPr>
+        <p:spPr/>
+        <p:txBody>
+          <a:bodyPr/>
+          <a:lstStyle/>
+          <a:p>
+            <a:r>
+              <a:rPr lang="de-AT" sz="3600" dirty="0"/>
+              <a:t>Eigenschaften des</a:t>
+            </a:r>
+            <a:r>
+              <a:rPr lang="en-GB" sz="3600" dirty="0"/>
+              <a:t> </a:t>
+            </a:r>
+            <a:r>
+              <a:rPr lang="de-AT" sz="3600" dirty="0"/>
+              <a:t>Zivilrechts</a:t>
+            </a:r>
+            <a:endParaRPr lang="de-AT" dirty="0"/>
+          </a:p>
+        </p:txBody>
+      </p:sp>
+      <p:sp>
+        <p:nvSpPr>
+          <p:cNvPr id="3" name="Inhaltsplatzhalter 2">
+            <a:extLst>
+              <a:ext uri="{FF2B5EF4-FFF2-40B4-BE49-F238E27FC236}">
+                <a16:creationId xmlns:a16="http://schemas.microsoft.com/office/drawing/2014/main" id="{169FF7B9-F008-4175-977D-80DF12A84C49}"/>
+              </a:ext>
+            </a:extLst>
+          </p:cNvPr>
+          <p:cNvSpPr>
+            <a:spLocks noGrp="1"/>
+          </p:cNvSpPr>
+          <p:nvPr>
+            <p:ph idx="1"/>
+          </p:nvPr>
+        </p:nvSpPr>
+        <p:spPr/>
+        <p:txBody>
+          <a:bodyPr/>
+          <a:lstStyle/>
+          <a:p>
+            <a:pPr marL="0" indent="0">
+              <a:buNone/>
+            </a:pPr>
+            <a:r>
+              <a:rPr lang="de-AT" b="1" noProof="1"/>
+              <a:t>Mögliche anwesende</a:t>
+            </a:r>
+            <a:r>
+              <a:rPr lang="en-GB" b="1" dirty="0"/>
+              <a:t> </a:t>
+            </a:r>
+            <a:r>
+              <a:rPr lang="de-AT" b="1" dirty="0"/>
+              <a:t>bei einem Gerichtsverfahren:</a:t>
+            </a:r>
+            <a:br>
+              <a:rPr lang="de-AT" b="1" dirty="0"/>
+            </a:br>
+            <a:r>
+              <a:rPr lang="de-AT" b="1" dirty="0"/>
+              <a:t>	</a:t>
+            </a:r>
+            <a:r>
+              <a:rPr lang="de-AT" dirty="0"/>
+              <a:t>-Rechtsanwälte, Zeugen, Dolmetscher,</a:t>
+            </a:r>
+            <a:br>
+              <a:rPr lang="de-AT" dirty="0"/>
+            </a:br>
+            <a:r>
+              <a:rPr lang="de-AT" dirty="0"/>
+              <a:t>	 Sachverständiger, Schriftführer</a:t>
+            </a:r>
+          </a:p>
+          <a:p>
+            <a:pPr marL="0" indent="0">
+              <a:buNone/>
+            </a:pPr>
+            <a:endParaRPr lang="de-AT" dirty="0"/>
+          </a:p>
+          <a:p>
+            <a:pPr marL="0" indent="0">
+              <a:buNone/>
+            </a:pPr>
+            <a:r>
+              <a:rPr lang="de-AT" b="1" dirty="0"/>
+              <a:t>Wer trägt die Beweislast:</a:t>
+            </a:r>
+            <a:br>
+              <a:rPr lang="de-AT" b="1" dirty="0"/>
+            </a:br>
+            <a:r>
+              <a:rPr lang="de-AT" b="1" dirty="0"/>
+              <a:t>	</a:t>
+            </a:r>
+            <a:r>
+              <a:rPr lang="de-AT" dirty="0"/>
+              <a:t>-In der Regel der Kläger</a:t>
+            </a:r>
+          </a:p>
+        </p:txBody>
+      </p:sp>
+    </p:spTree>
+    <p:extLst>
+      <p:ext uri="{BB962C8B-B14F-4D97-AF65-F5344CB8AC3E}">
+        <p14:creationId xmlns:p14="http://schemas.microsoft.com/office/powerpoint/2010/main" val="4104077374"/>
+      </p:ext>
+    </p:extLst>
+  </p:cSld>
+  <p:clrMapOvr>
+    <a:masterClrMapping/>
+  </p:clrMapOvr>
+</p:sld>
+</file>
+
+<file path=ppt/slides/slide11.xml><?xml version="1.0" encoding="utf-8"?>
+<p:sld xmlns:a="http://schemas.openxmlformats.org/drawingml/2006/main" xmlns:r="http://schemas.openxmlformats.org/officeDocument/2006/relationships" xmlns:p="http://schemas.openxmlformats.org/presentationml/2006/main">
+  <p:cSld>
+    <p:spTree>
+      <p:nvGrpSpPr>
+        <p:cNvPr id="1" name=""/>
+        <p:cNvGrpSpPr/>
+        <p:nvPr/>
+      </p:nvGrpSpPr>
+      <p:grpSpPr>
+        <a:xfrm>
+          <a:off x="0" y="0"/>
+          <a:ext cx="0" cy="0"/>
+          <a:chOff x="0" y="0"/>
+          <a:chExt cx="0" cy="0"/>
+        </a:xfrm>
+      </p:grpSpPr>
+      <p:sp>
+        <p:nvSpPr>
+          <p:cNvPr id="2" name="Titel 1">
+            <a:extLst>
+              <a:ext uri="{FF2B5EF4-FFF2-40B4-BE49-F238E27FC236}">
+                <a16:creationId xmlns:a16="http://schemas.microsoft.com/office/drawing/2014/main" id="{2EA33FBE-46C4-4D76-A775-8A282938CE62}"/>
+              </a:ext>
+            </a:extLst>
+          </p:cNvPr>
+          <p:cNvSpPr>
+            <a:spLocks noGrp="1"/>
+          </p:cNvSpPr>
+          <p:nvPr>
+            <p:ph type="title"/>
+          </p:nvPr>
+        </p:nvSpPr>
+        <p:spPr/>
+        <p:txBody>
+          <a:bodyPr/>
+          <a:lstStyle/>
+          <a:p>
+            <a:r>
+              <a:rPr lang="de-AT" sz="3600" dirty="0"/>
+              <a:t>Eigenschaften des</a:t>
+            </a:r>
+            <a:r>
+              <a:rPr lang="en-GB" sz="3600" dirty="0"/>
+              <a:t> </a:t>
+            </a:r>
+            <a:r>
+              <a:rPr lang="de-AT" sz="3600" dirty="0"/>
+              <a:t>Zivilrechts</a:t>
+            </a:r>
+            <a:endParaRPr lang="de-AT" dirty="0"/>
+          </a:p>
+        </p:txBody>
+      </p:sp>
+      <p:sp>
+        <p:nvSpPr>
+          <p:cNvPr id="3" name="Inhaltsplatzhalter 2">
+            <a:extLst>
+              <a:ext uri="{FF2B5EF4-FFF2-40B4-BE49-F238E27FC236}">
+                <a16:creationId xmlns:a16="http://schemas.microsoft.com/office/drawing/2014/main" id="{10006006-5C60-49C4-BB8D-3E511E1BC83F}"/>
+              </a:ext>
+            </a:extLst>
+          </p:cNvPr>
+          <p:cNvSpPr>
+            <a:spLocks noGrp="1"/>
+          </p:cNvSpPr>
+          <p:nvPr>
+            <p:ph idx="1"/>
+          </p:nvPr>
+        </p:nvSpPr>
+        <p:spPr/>
+        <p:txBody>
+          <a:bodyPr>
+            <a:normAutofit/>
+          </a:bodyPr>
+          <a:lstStyle/>
+          <a:p>
+            <a:pPr marL="0" lvl="0" indent="0">
+              <a:lnSpc>
+                <a:spcPct val="107000"/>
+              </a:lnSpc>
+              <a:buNone/>
+            </a:pPr>
+            <a:r>
+              <a:rPr lang="de-AT" b="1" dirty="0"/>
+              <a:t>Wie endet ein Verfahren:</a:t>
+            </a:r>
+            <a:br>
+              <a:rPr lang="de-AT" b="1" dirty="0"/>
+            </a:br>
+            <a:r>
+              <a:rPr lang="de-AT" b="1" dirty="0"/>
+              <a:t>	</a:t>
+            </a:r>
+            <a:r>
+              <a:rPr lang="de-AT" dirty="0"/>
+              <a:t>-Urteil zugunsten des Klägers fällt</a:t>
+            </a:r>
+            <a:br>
+              <a:rPr lang="de-AT" dirty="0"/>
+            </a:br>
+            <a:r>
+              <a:rPr lang="de-AT" dirty="0"/>
+              <a:t>	-Urteil zugunsten des Beklagten fällt</a:t>
+            </a:r>
+            <a:br>
+              <a:rPr lang="de-AT" dirty="0"/>
+            </a:br>
+            <a:r>
+              <a:rPr lang="de-AT" dirty="0"/>
+              <a:t>	-Der Klage wird teilweise stattgegeben</a:t>
+            </a:r>
+            <a:br>
+              <a:rPr lang="de-AT" dirty="0"/>
+            </a:br>
+            <a:r>
+              <a:rPr lang="de-AT" dirty="0"/>
+              <a:t>	-Vergleich (Einigung zwischen den Parteien)</a:t>
+            </a:r>
+          </a:p>
+          <a:p>
+            <a:pPr marL="0" lvl="0" indent="0">
+              <a:lnSpc>
+                <a:spcPct val="107000"/>
+              </a:lnSpc>
+              <a:buNone/>
+            </a:pPr>
+            <a:endParaRPr lang="de-AT" dirty="0"/>
+          </a:p>
+          <a:p>
+            <a:pPr marL="0" lvl="0" indent="0">
+              <a:lnSpc>
+                <a:spcPct val="107000"/>
+              </a:lnSpc>
+              <a:buNone/>
+            </a:pPr>
+            <a:r>
+              <a:rPr lang="de-AT" b="1" dirty="0"/>
+              <a:t>Welche Rechtsmittel kann man ergreifen: </a:t>
+            </a:r>
+            <a:r>
+              <a:rPr lang="de-AT" dirty="0"/>
+              <a:t>Berufung in die nächste Instanz</a:t>
+            </a:r>
+          </a:p>
+          <a:p>
+            <a:pPr marL="0" indent="0">
+              <a:buNone/>
+            </a:pPr>
+            <a:r>
+              <a:rPr lang="de-AT" b="1" dirty="0"/>
+              <a:t>Wer trägt die Kosten: </a:t>
+            </a:r>
+            <a:r>
+              <a:rPr lang="de-AT" dirty="0"/>
+              <a:t>Die Person, die verliert</a:t>
+            </a:r>
+          </a:p>
+          <a:p>
+            <a:pPr marL="0" indent="0">
+              <a:buNone/>
+            </a:pPr>
+            <a:endParaRPr lang="de-AT" dirty="0"/>
+          </a:p>
+        </p:txBody>
+      </p:sp>
+    </p:spTree>
+    <p:extLst>
+      <p:ext uri="{BB962C8B-B14F-4D97-AF65-F5344CB8AC3E}">
+        <p14:creationId xmlns:p14="http://schemas.microsoft.com/office/powerpoint/2010/main" val="134207264"/>
+      </p:ext>
+    </p:extLst>
+  </p:cSld>
+  <p:clrMapOvr>
+    <a:masterClrMapping/>
+  </p:clrMapOvr>
+</p:sld>
+</file>
+
 <file path=ppt/slides/slide2.xml><?xml version="1.0" encoding="utf-8"?>
 <p:sld xmlns:a="http://schemas.openxmlformats.org/drawingml/2006/main" xmlns:r="http://schemas.openxmlformats.org/officeDocument/2006/relationships" xmlns:p="http://schemas.openxmlformats.org/presentationml/2006/main">
   <p:cSld>
@@ -4209,7 +4653,7 @@
             </a:pPr>
             <a:r>
               <a:rPr lang="de-AT" dirty="0"/>
-              <a:t>-Ersterlass eines Österreichischen Zivilrechts: 1811</a:t>
+              <a:t>-Ersterlass eines österreichischen Zivilrechts: 1811</a:t>
             </a:r>
           </a:p>
         </p:txBody>
@@ -4390,10 +4834,10 @@
       </p:grpSpPr>
       <p:sp>
         <p:nvSpPr>
-          <p:cNvPr id="2" name="Titel 1">
-            <a:extLst>
-              <a:ext uri="{FF2B5EF4-FFF2-40B4-BE49-F238E27FC236}">
-                <a16:creationId xmlns:a16="http://schemas.microsoft.com/office/drawing/2014/main" id="{CBDB07AB-EE99-46B8-875C-4FB5CFF10A6B}"/>
+          <p:cNvPr id="2" name="Title 1">
+            <a:extLst>
+              <a:ext uri="{FF2B5EF4-FFF2-40B4-BE49-F238E27FC236}">
+                <a16:creationId xmlns:a16="http://schemas.microsoft.com/office/drawing/2014/main" id="{CABE5765-291E-4EC5-BD04-79067133A1C6}"/>
               </a:ext>
             </a:extLst>
           </p:cNvPr>
@@ -4402,178 +4846,82 @@
           </p:cNvSpPr>
           <p:nvPr>
             <p:ph type="title"/>
+          </p:nvPr>
+        </p:nvSpPr>
+        <p:spPr/>
+        <p:txBody>
+          <a:bodyPr/>
+          <a:lstStyle/>
+          <a:p>
+            <a:r>
+              <a:rPr lang="de-AT" dirty="0"/>
+              <a:t>Das Allgemeine Bürgerliche Gesetzbuch</a:t>
+            </a:r>
+          </a:p>
+        </p:txBody>
+      </p:sp>
+      <p:sp>
+        <p:nvSpPr>
+          <p:cNvPr id="3" name="Content Placeholder 2">
+            <a:extLst>
+              <a:ext uri="{FF2B5EF4-FFF2-40B4-BE49-F238E27FC236}">
+                <a16:creationId xmlns:a16="http://schemas.microsoft.com/office/drawing/2014/main" id="{46EEFAD2-42F2-4F83-9913-87B2DF63E6C6}"/>
+              </a:ext>
+            </a:extLst>
+          </p:cNvPr>
+          <p:cNvSpPr>
+            <a:spLocks noGrp="1"/>
+          </p:cNvSpPr>
+          <p:nvPr>
+            <p:ph idx="1"/>
           </p:nvPr>
         </p:nvSpPr>
         <p:spPr>
           <a:xfrm>
-            <a:off x="1371600" y="795528"/>
-            <a:ext cx="10568354" cy="1234440"/>
+            <a:off x="1371600" y="2103120"/>
+            <a:ext cx="10241280" cy="3959352"/>
           </a:xfrm>
         </p:spPr>
         <p:txBody>
           <a:bodyPr/>
           <a:lstStyle/>
           <a:p>
+            <a:pPr marL="0" indent="0">
+              <a:buNone/>
+            </a:pPr>
             <a:r>
               <a:rPr lang="de-AT" dirty="0"/>
-              <a:t>Grundzüge für Zivilverfahren</a:t>
-            </a:r>
-          </a:p>
-        </p:txBody>
-      </p:sp>
-      <p:sp>
-        <p:nvSpPr>
-          <p:cNvPr id="3" name="Inhaltsplatzhalter 2">
-            <a:extLst>
-              <a:ext uri="{FF2B5EF4-FFF2-40B4-BE49-F238E27FC236}">
-                <a16:creationId xmlns:a16="http://schemas.microsoft.com/office/drawing/2014/main" id="{3E1CDAA2-6BD8-4EAD-B39A-4BE0DBBBBD5A}"/>
-              </a:ext>
-            </a:extLst>
-          </p:cNvPr>
-          <p:cNvSpPr>
-            <a:spLocks noGrp="1"/>
-          </p:cNvSpPr>
-          <p:nvPr>
-            <p:ph idx="1"/>
-          </p:nvPr>
-        </p:nvSpPr>
-        <p:spPr>
-          <a:xfrm>
-            <a:off x="1371600" y="2112264"/>
-            <a:ext cx="10241280" cy="4341290"/>
-          </a:xfrm>
-        </p:spPr>
-        <p:txBody>
-          <a:bodyPr>
-            <a:normAutofit/>
-          </a:bodyPr>
-          <a:lstStyle/>
+              <a:t>-Eines der wichtigsten Bücher</a:t>
+            </a:r>
+          </a:p>
           <a:p>
             <a:pPr marL="0" indent="0">
               <a:buNone/>
             </a:pPr>
-            <a:r>
-              <a:rPr lang="de-AT" b="1" i="0" dirty="0">
-                <a:solidFill>
-                  <a:srgbClr val="000000"/>
-                </a:solidFill>
-                <a:effectLst/>
-                <a:latin typeface="Source Sans Pro" panose="020B0503030403020204" pitchFamily="34" charset="0"/>
-              </a:rPr>
-              <a:t>Öffentlichkeit der Verhandlung:</a:t>
-            </a:r>
-            <a:br>
-              <a:rPr lang="de-AT" b="1" i="0" dirty="0">
-                <a:solidFill>
-                  <a:srgbClr val="000000"/>
-                </a:solidFill>
-                <a:effectLst/>
-                <a:latin typeface="Source Sans Pro" panose="020B0503030403020204" pitchFamily="34" charset="0"/>
-              </a:rPr>
-            </a:br>
-            <a:r>
-              <a:rPr lang="de-AT" b="1" i="0" dirty="0">
-                <a:solidFill>
-                  <a:srgbClr val="000000"/>
-                </a:solidFill>
-                <a:effectLst/>
-                <a:latin typeface="Source Sans Pro" panose="020B0503030403020204" pitchFamily="34" charset="0"/>
-              </a:rPr>
-              <a:t>	</a:t>
-            </a:r>
-            <a:r>
-              <a:rPr lang="de-AT" dirty="0">
-                <a:solidFill>
-                  <a:srgbClr val="000000"/>
-                </a:solidFill>
-                <a:latin typeface="Source Sans Pro" panose="020B0503030403020204" pitchFamily="34" charset="0"/>
-              </a:rPr>
-              <a:t>-freier Zutritt für Bürger</a:t>
-            </a:r>
-            <a:endParaRPr lang="de-AT" b="1" i="0" dirty="0">
-              <a:solidFill>
-                <a:srgbClr val="000000"/>
-              </a:solidFill>
-              <a:effectLst/>
-              <a:latin typeface="Source Sans Pro" panose="020B0503030403020204" pitchFamily="34" charset="0"/>
-            </a:endParaRPr>
+            <a:endParaRPr lang="de-AT" dirty="0"/>
           </a:p>
           <a:p>
             <a:pPr marL="0" indent="0">
               <a:buNone/>
             </a:pPr>
             <a:r>
-              <a:rPr lang="de-AT" b="1" dirty="0">
-                <a:solidFill>
-                  <a:srgbClr val="000000"/>
-                </a:solidFill>
-                <a:latin typeface="Source Sans Pro" panose="020B0503030403020204" pitchFamily="34" charset="0"/>
-              </a:rPr>
-              <a:t>Beiderseitiges rechtliches Gehör:</a:t>
-            </a:r>
-            <a:br>
-              <a:rPr lang="de-AT" b="1" dirty="0">
-                <a:solidFill>
-                  <a:srgbClr val="000000"/>
-                </a:solidFill>
-                <a:latin typeface="Source Sans Pro" panose="020B0503030403020204" pitchFamily="34" charset="0"/>
-              </a:rPr>
-            </a:br>
-            <a:r>
-              <a:rPr lang="de-AT" b="1" dirty="0">
-                <a:solidFill>
-                  <a:srgbClr val="000000"/>
-                </a:solidFill>
-                <a:latin typeface="Source Sans Pro" panose="020B0503030403020204" pitchFamily="34" charset="0"/>
-              </a:rPr>
-              <a:t>	</a:t>
-            </a:r>
-            <a:r>
-              <a:rPr lang="de-AT" dirty="0">
-                <a:solidFill>
-                  <a:srgbClr val="000000"/>
-                </a:solidFill>
-                <a:latin typeface="Source Sans Pro" panose="020B0503030403020204" pitchFamily="34" charset="0"/>
-              </a:rPr>
-              <a:t>-Die Möglichkeit sich zu äußern</a:t>
+              <a:rPr lang="de-AT" dirty="0"/>
+              <a:t>-Präzise und passende Formulierungen</a:t>
             </a:r>
           </a:p>
           <a:p>
             <a:pPr marL="0" indent="0">
               <a:buNone/>
             </a:pPr>
-            <a:r>
-              <a:rPr lang="de-AT" b="1" i="0" dirty="0">
-                <a:solidFill>
-                  <a:srgbClr val="000000"/>
-                </a:solidFill>
-                <a:effectLst/>
-                <a:latin typeface="Source Sans Pro" panose="020B0503030403020204" pitchFamily="34" charset="0"/>
-              </a:rPr>
-              <a:t>Kooperationsgrundsatz:</a:t>
-            </a:r>
+            <a:endParaRPr lang="de-AT" dirty="0"/>
           </a:p>
           <a:p>
             <a:pPr marL="0" indent="0">
               <a:buNone/>
             </a:pPr>
             <a:r>
-              <a:rPr lang="de-AT" b="1" dirty="0">
-                <a:solidFill>
-                  <a:srgbClr val="000000"/>
-                </a:solidFill>
-                <a:latin typeface="Source Sans Pro" panose="020B0503030403020204" pitchFamily="34" charset="0"/>
-              </a:rPr>
-              <a:t>	</a:t>
-            </a:r>
-            <a:r>
-              <a:rPr lang="de-AT" dirty="0">
-                <a:solidFill>
-                  <a:srgbClr val="000000"/>
-                </a:solidFill>
-                <a:latin typeface="Source Sans Pro" panose="020B0503030403020204" pitchFamily="34" charset="0"/>
-              </a:rPr>
-              <a:t>-Keine Ermittlungen</a:t>
+              <a:rPr lang="de-AT" dirty="0"/>
+              <a:t>-In drei Teile geteilt</a:t>
             </a:r>
           </a:p>
         </p:txBody>
@@ -4581,7 +4929,7 @@
     </p:spTree>
     <p:extLst>
       <p:ext uri="{BB962C8B-B14F-4D97-AF65-F5344CB8AC3E}">
-        <p14:creationId xmlns:p14="http://schemas.microsoft.com/office/powerpoint/2010/main" val="2507592194"/>
+        <p14:creationId xmlns:p14="http://schemas.microsoft.com/office/powerpoint/2010/main" val="381714346"/>
       </p:ext>
     </p:extLst>
   </p:cSld>
@@ -4610,10 +4958,10 @@
       </p:grpSpPr>
       <p:sp>
         <p:nvSpPr>
-          <p:cNvPr id="2" name="Titel 1">
-            <a:extLst>
-              <a:ext uri="{FF2B5EF4-FFF2-40B4-BE49-F238E27FC236}">
-                <a16:creationId xmlns:a16="http://schemas.microsoft.com/office/drawing/2014/main" id="{7E3CD0CA-D57F-446F-A0ED-A296A250233F}"/>
+          <p:cNvPr id="2" name="Title 1">
+            <a:extLst>
+              <a:ext uri="{FF2B5EF4-FFF2-40B4-BE49-F238E27FC236}">
+                <a16:creationId xmlns:a16="http://schemas.microsoft.com/office/drawing/2014/main" id="{60BD533F-F451-4235-8FD6-F66752BA7CD9}"/>
               </a:ext>
             </a:extLst>
           </p:cNvPr>
@@ -4631,17 +4979,17 @@
           <a:p>
             <a:r>
               <a:rPr lang="de-AT" dirty="0"/>
-              <a:t>Das Zivilverfahrensrecht</a:t>
-            </a:r>
-          </a:p>
-        </p:txBody>
-      </p:sp>
-      <p:sp>
-        <p:nvSpPr>
-          <p:cNvPr id="3" name="Inhaltsplatzhalter 2">
-            <a:extLst>
-              <a:ext uri="{FF2B5EF4-FFF2-40B4-BE49-F238E27FC236}">
-                <a16:creationId xmlns:a16="http://schemas.microsoft.com/office/drawing/2014/main" id="{ADBFF455-12F9-447D-9AD0-AE06CAB7338C}"/>
+              <a:t>Das Allgemeine Bürgerliche Gesetzbuch</a:t>
+            </a:r>
+          </a:p>
+        </p:txBody>
+      </p:sp>
+      <p:sp>
+        <p:nvSpPr>
+          <p:cNvPr id="3" name="Content Placeholder 2">
+            <a:extLst>
+              <a:ext uri="{FF2B5EF4-FFF2-40B4-BE49-F238E27FC236}">
+                <a16:creationId xmlns:a16="http://schemas.microsoft.com/office/drawing/2014/main" id="{3C7B8385-877B-4B25-8E10-1C9CCB5D526C}"/>
               </a:ext>
             </a:extLst>
           </p:cNvPr>
@@ -4662,10 +5010,17 @@
             </a:pPr>
             <a:r>
               <a:rPr lang="de-DE" b="1" dirty="0"/>
-              <a:t>Regelt den Ablauf von gerichtlichen Verfahren</a:t>
-            </a:r>
-          </a:p>
-          <a:p>
+              <a:t>-Erster Teil: </a:t>
+            </a:r>
+            <a:r>
+              <a:rPr lang="de-DE" dirty="0"/>
+              <a:t>Personen- und Familienrecht</a:t>
+            </a:r>
+          </a:p>
+          <a:p>
+            <a:pPr marL="0" indent="0">
+              <a:buNone/>
+            </a:pPr>
             <a:endParaRPr lang="de-DE" dirty="0"/>
           </a:p>
           <a:p>
@@ -4674,47 +5029,30 @@
             </a:pPr>
             <a:r>
               <a:rPr lang="de-DE" b="1" dirty="0"/>
-              <a:t>Die wichtigsten Regelungen enthalten </a:t>
-            </a:r>
-            <a:br>
+              <a:t>-Zweiten Teil: </a:t>
+            </a:r>
+            <a:r>
+              <a:rPr lang="de-DE" dirty="0"/>
+              <a:t>Sachenrecht </a:t>
+            </a:r>
+          </a:p>
+          <a:p>
+            <a:pPr marL="0" indent="0">
+              <a:buNone/>
+            </a:pPr>
+            <a:endParaRPr lang="de-DE" dirty="0"/>
+          </a:p>
+          <a:p>
+            <a:pPr marL="0" indent="0">
+              <a:buNone/>
+            </a:pPr>
+            <a:r>
               <a:rPr lang="de-DE" b="1" dirty="0"/>
-            </a:br>
-            <a:r>
-              <a:rPr lang="de-DE" b="1" dirty="0"/>
-              <a:t>	</a:t>
+              <a:t>-Dritte Teil: </a:t>
             </a:r>
             <a:r>
               <a:rPr lang="de-DE" dirty="0"/>
-              <a:t>-Zivilprozessordnung (ZPO)</a:t>
-            </a:r>
-            <a:br>
-              <a:rPr lang="de-DE" dirty="0"/>
-            </a:br>
-            <a:r>
-              <a:rPr lang="de-DE" dirty="0"/>
-              <a:t>	-Außerstreitgesetz (</a:t>
-            </a:r>
-            <a:r>
-              <a:rPr lang="de-DE" dirty="0" err="1"/>
-              <a:t>AußStrG</a:t>
-            </a:r>
-            <a:r>
-              <a:rPr lang="de-DE" dirty="0"/>
-              <a:t>)</a:t>
-            </a:r>
-            <a:br>
-              <a:rPr lang="de-DE" dirty="0"/>
-            </a:br>
-            <a:r>
-              <a:rPr lang="de-DE" dirty="0"/>
-              <a:t>	-Exekutionsordnung (EO)</a:t>
-            </a:r>
-            <a:br>
-              <a:rPr lang="de-DE" dirty="0"/>
-            </a:br>
-            <a:r>
-              <a:rPr lang="de-DE" dirty="0"/>
-              <a:t>	-Insolvenzordnung (IO)</a:t>
+              <a:t>gemeinschaftliche Bestimmungen der Personen- und Sachenrechte</a:t>
             </a:r>
             <a:endParaRPr lang="de-AT" dirty="0"/>
           </a:p>
@@ -4723,7 +5061,7 @@
     </p:spTree>
     <p:extLst>
       <p:ext uri="{BB962C8B-B14F-4D97-AF65-F5344CB8AC3E}">
-        <p14:creationId xmlns:p14="http://schemas.microsoft.com/office/powerpoint/2010/main" val="3467259874"/>
+        <p14:creationId xmlns:p14="http://schemas.microsoft.com/office/powerpoint/2010/main" val="2722369127"/>
       </p:ext>
     </p:extLst>
   </p:cSld>
@@ -4755,7 +5093,7 @@
           <p:cNvPr id="2" name="Titel 1">
             <a:extLst>
               <a:ext uri="{FF2B5EF4-FFF2-40B4-BE49-F238E27FC236}">
-                <a16:creationId xmlns:a16="http://schemas.microsoft.com/office/drawing/2014/main" id="{86524586-F054-48FF-AF55-CAB94022054B}"/>
+                <a16:creationId xmlns:a16="http://schemas.microsoft.com/office/drawing/2014/main" id="{7E3CD0CA-D57F-446F-A0ED-A296A250233F}"/>
               </a:ext>
             </a:extLst>
           </p:cNvPr>
@@ -4768,24 +5106,13 @@
         </p:nvSpPr>
         <p:spPr/>
         <p:txBody>
-          <a:bodyPr>
-            <a:normAutofit/>
-          </a:bodyPr>
-          <a:lstStyle/>
-          <a:p>
-            <a:r>
-              <a:rPr lang="de-AT" sz="3600" dirty="0"/>
-              <a:t>Eigenschaften des</a:t>
-            </a:r>
-            <a:r>
-              <a:rPr lang="en-GB" sz="3600" dirty="0"/>
-              <a:t> </a:t>
-            </a:r>
-            <a:r>
-              <a:rPr lang="de-AT" sz="3600" dirty="0"/>
-              <a:t>Zivilrechts</a:t>
-            </a:r>
-            <a:endParaRPr lang="de-AT" dirty="0"/>
+          <a:bodyPr/>
+          <a:lstStyle/>
+          <a:p>
+            <a:r>
+              <a:rPr lang="de-AT" dirty="0"/>
+              <a:t>Das Zivilverfahrensrecht</a:t>
+            </a:r>
           </a:p>
         </p:txBody>
       </p:sp>
@@ -4794,7 +5121,7 @@
           <p:cNvPr id="3" name="Inhaltsplatzhalter 2">
             <a:extLst>
               <a:ext uri="{FF2B5EF4-FFF2-40B4-BE49-F238E27FC236}">
-                <a16:creationId xmlns:a16="http://schemas.microsoft.com/office/drawing/2014/main" id="{BB1A4123-642C-4C58-85C9-192B48A6B308}"/>
+                <a16:creationId xmlns:a16="http://schemas.microsoft.com/office/drawing/2014/main" id="{ADBFF455-12F9-447D-9AD0-AE06CAB7338C}"/>
               </a:ext>
             </a:extLst>
           </p:cNvPr>
@@ -4814,71 +5141,61 @@
               <a:buNone/>
             </a:pPr>
             <a:r>
-              <a:rPr lang="de-AT" b="1" dirty="0"/>
-              <a:t>Rechtsgebiet &amp; Anspruch:</a:t>
+              <a:rPr lang="de-DE" b="1" dirty="0"/>
+              <a:t>Regelt den Ablauf von gerichtlichen Verfahren</a:t>
+            </a:r>
+          </a:p>
+          <a:p>
+            <a:endParaRPr lang="de-DE" dirty="0"/>
+          </a:p>
+          <a:p>
+            <a:pPr marL="0" indent="0">
+              <a:buNone/>
+            </a:pPr>
+            <a:r>
+              <a:rPr lang="de-DE" b="1" dirty="0"/>
+              <a:t>Die wichtigsten Regelungen enthalten </a:t>
             </a:r>
             <a:br>
-              <a:rPr lang="de-AT" dirty="0"/>
+              <a:rPr lang="de-DE" b="1" dirty="0"/>
             </a:br>
             <a:r>
-              <a:rPr lang="de-AT" dirty="0"/>
-              <a:t>	-Ein Teil des Privatrechts</a:t>
+              <a:rPr lang="de-DE" b="1" dirty="0"/>
+              <a:t>	</a:t>
+            </a:r>
+            <a:r>
+              <a:rPr lang="de-DE" dirty="0"/>
+              <a:t>-Zivilprozessordnung (ZPO)</a:t>
             </a:r>
             <a:br>
-              <a:rPr lang="de-AT" dirty="0"/>
+              <a:rPr lang="de-DE" dirty="0"/>
             </a:br>
             <a:r>
-              <a:rPr lang="de-AT" dirty="0"/>
-              <a:t>	-Jede Privatperson</a:t>
+              <a:rPr lang="de-DE" dirty="0"/>
+              <a:t>	-Außerstreitgesetz (</a:t>
+            </a:r>
+            <a:r>
+              <a:rPr lang="de-DE" dirty="0" err="1"/>
+              <a:t>AußStrG</a:t>
+            </a:r>
+            <a:r>
+              <a:rPr lang="de-DE" dirty="0"/>
+              <a:t>)</a:t>
             </a:r>
             <a:br>
-              <a:rPr lang="de-AT" dirty="0"/>
+              <a:rPr lang="de-DE" dirty="0"/>
             </a:br>
             <a:r>
-              <a:rPr lang="de-AT" dirty="0"/>
-              <a:t>	-Der Anspruch richtet sich (häufig) auf</a:t>
+              <a:rPr lang="de-DE" dirty="0"/>
+              <a:t>	-Exekutionsordnung (EO)</a:t>
             </a:r>
             <a:br>
-              <a:rPr lang="de-AT" dirty="0"/>
+              <a:rPr lang="de-DE" dirty="0"/>
             </a:br>
             <a:r>
-              <a:rPr lang="de-AT" dirty="0"/>
-              <a:t>	 Zahlung eines Geldbetrags</a:t>
-            </a:r>
-          </a:p>
-          <a:p>
-            <a:pPr marL="0" indent="0">
-              <a:buNone/>
-            </a:pPr>
-            <a:r>
-              <a:rPr lang="de-AT" b="1" dirty="0"/>
-              <a:t>Sind Gerichtsverfahren vermeidbar?</a:t>
-            </a:r>
-            <a:br>
-              <a:rPr lang="de-AT" b="1" dirty="0"/>
-            </a:br>
-            <a:r>
-              <a:rPr lang="de-AT" b="1" dirty="0"/>
-              <a:t>	</a:t>
-            </a:r>
-            <a:r>
-              <a:rPr lang="de-AT" dirty="0"/>
-              <a:t>-Ja, durch Einigung und Verzicht</a:t>
-            </a:r>
-          </a:p>
-          <a:p>
-            <a:pPr marL="0" indent="0">
-              <a:buNone/>
-            </a:pPr>
-            <a:endParaRPr lang="de-AT" dirty="0"/>
-          </a:p>
-          <a:p>
-            <a:pPr marL="0" indent="0">
-              <a:buNone/>
-            </a:pPr>
-            <a:endParaRPr lang="en-GB" dirty="0"/>
-          </a:p>
-          <a:p>
+              <a:rPr lang="de-DE" dirty="0"/>
+              <a:t>	-Insolvenzordnung (IO)</a:t>
+            </a:r>
             <a:endParaRPr lang="de-AT" dirty="0"/>
           </a:p>
         </p:txBody>
@@ -4886,7 +5203,7 @@
     </p:spTree>
     <p:extLst>
       <p:ext uri="{BB962C8B-B14F-4D97-AF65-F5344CB8AC3E}">
-        <p14:creationId xmlns:p14="http://schemas.microsoft.com/office/powerpoint/2010/main" val="4120101375"/>
+        <p14:creationId xmlns:p14="http://schemas.microsoft.com/office/powerpoint/2010/main" val="3467259874"/>
       </p:ext>
     </p:extLst>
   </p:cSld>
@@ -4918,7 +5235,7 @@
           <p:cNvPr id="2" name="Titel 1">
             <a:extLst>
               <a:ext uri="{FF2B5EF4-FFF2-40B4-BE49-F238E27FC236}">
-                <a16:creationId xmlns:a16="http://schemas.microsoft.com/office/drawing/2014/main" id="{A2D442B6-1C24-482D-950A-4E6FA60A973C}"/>
+                <a16:creationId xmlns:a16="http://schemas.microsoft.com/office/drawing/2014/main" id="{CBDB07AB-EE99-46B8-875C-4FB5CFF10A6B}"/>
               </a:ext>
             </a:extLst>
           </p:cNvPr>
@@ -4929,24 +5246,20 @@
             <p:ph type="title"/>
           </p:nvPr>
         </p:nvSpPr>
-        <p:spPr/>
-        <p:txBody>
-          <a:bodyPr/>
-          <a:lstStyle/>
-          <a:p>
-            <a:r>
-              <a:rPr lang="de-AT" sz="3600" dirty="0"/>
-              <a:t>Eigenschaften des</a:t>
-            </a:r>
-            <a:r>
-              <a:rPr lang="en-GB" sz="3600" dirty="0"/>
-              <a:t> </a:t>
-            </a:r>
-            <a:r>
-              <a:rPr lang="de-AT" sz="3600" dirty="0"/>
-              <a:t>Zivilrechts</a:t>
-            </a:r>
-            <a:endParaRPr lang="de-AT" dirty="0"/>
+        <p:spPr>
+          <a:xfrm>
+            <a:off x="1371600" y="795528"/>
+            <a:ext cx="10568354" cy="1234440"/>
+          </a:xfrm>
+        </p:spPr>
+        <p:txBody>
+          <a:bodyPr/>
+          <a:lstStyle/>
+          <a:p>
+            <a:r>
+              <a:rPr lang="de-AT" dirty="0"/>
+              <a:t>Grundzüge für Zivilverfahren</a:t>
+            </a:r>
           </a:p>
         </p:txBody>
       </p:sp>
@@ -4955,7 +5268,7 @@
           <p:cNvPr id="3" name="Inhaltsplatzhalter 2">
             <a:extLst>
               <a:ext uri="{FF2B5EF4-FFF2-40B4-BE49-F238E27FC236}">
-                <a16:creationId xmlns:a16="http://schemas.microsoft.com/office/drawing/2014/main" id="{813E75D4-B9F2-4AC2-8354-7F88F6A63108}"/>
+                <a16:creationId xmlns:a16="http://schemas.microsoft.com/office/drawing/2014/main" id="{3E1CDAA2-6BD8-4EAD-B39A-4BE0DBBBBD5A}"/>
               </a:ext>
             </a:extLst>
           </p:cNvPr>
@@ -4966,66 +5279,143 @@
             <p:ph idx="1"/>
           </p:nvPr>
         </p:nvSpPr>
-        <p:spPr/>
-        <p:txBody>
-          <a:bodyPr/>
+        <p:spPr>
+          <a:xfrm>
+            <a:off x="1371600" y="2112264"/>
+            <a:ext cx="10241280" cy="4341290"/>
+          </a:xfrm>
+        </p:spPr>
+        <p:txBody>
+          <a:bodyPr>
+            <a:normAutofit/>
+          </a:bodyPr>
           <a:lstStyle/>
           <a:p>
             <a:pPr marL="0" indent="0">
               <a:buNone/>
             </a:pPr>
             <a:r>
-              <a:rPr lang="de-AT" b="1" noProof="1"/>
-              <a:t>Auf jeden Fall anwesende</a:t>
-            </a:r>
-            <a:r>
-              <a:rPr lang="en-GB" b="1" dirty="0"/>
-              <a:t> </a:t>
-            </a:r>
-            <a:r>
-              <a:rPr lang="de-AT" b="1" dirty="0"/>
-              <a:t>bei einem Gerichtsverfahren:</a:t>
+              <a:rPr lang="de-AT" b="1" i="0" dirty="0">
+                <a:solidFill>
+                  <a:srgbClr val="000000"/>
+                </a:solidFill>
+                <a:effectLst/>
+                <a:latin typeface="Source Sans Pro" panose="020B0503030403020204" pitchFamily="34" charset="0"/>
+              </a:rPr>
+              <a:t>Öffentlichkeit der Verhandlung:</a:t>
             </a:r>
             <a:br>
-              <a:rPr lang="de-AT" b="1" dirty="0"/>
+              <a:rPr lang="de-AT" b="1" i="0" dirty="0">
+                <a:solidFill>
+                  <a:srgbClr val="000000"/>
+                </a:solidFill>
+                <a:effectLst/>
+                <a:latin typeface="Source Sans Pro" panose="020B0503030403020204" pitchFamily="34" charset="0"/>
+              </a:rPr>
             </a:br>
             <a:r>
-              <a:rPr lang="de-AT" b="1" dirty="0"/>
+              <a:rPr lang="de-AT" b="1" i="0" dirty="0">
+                <a:solidFill>
+                  <a:srgbClr val="000000"/>
+                </a:solidFill>
+                <a:effectLst/>
+                <a:latin typeface="Source Sans Pro" panose="020B0503030403020204" pitchFamily="34" charset="0"/>
+              </a:rPr>
               <a:t>	</a:t>
             </a:r>
             <a:r>
-              <a:rPr lang="de-AT" dirty="0"/>
-              <a:t>-Kläger, Beklagter und Berufsrichter</a:t>
-            </a:r>
-          </a:p>
-          <a:p>
-            <a:endParaRPr lang="de-AT" dirty="0"/>
+              <a:rPr lang="de-AT" dirty="0">
+                <a:solidFill>
+                  <a:srgbClr val="000000"/>
+                </a:solidFill>
+                <a:latin typeface="Source Sans Pro" panose="020B0503030403020204" pitchFamily="34" charset="0"/>
+              </a:rPr>
+              <a:t>-freier Zutritt für Bürger</a:t>
+            </a:r>
+            <a:endParaRPr lang="de-AT" b="1" i="0" dirty="0">
+              <a:solidFill>
+                <a:srgbClr val="000000"/>
+              </a:solidFill>
+              <a:effectLst/>
+              <a:latin typeface="Source Sans Pro" panose="020B0503030403020204" pitchFamily="34" charset="0"/>
+            </a:endParaRPr>
           </a:p>
           <a:p>
             <a:pPr marL="0" indent="0">
               <a:buNone/>
             </a:pPr>
             <a:r>
-              <a:rPr lang="de-AT" b="1" dirty="0"/>
-              <a:t>Wie wird das Verfahren eingeleitet:</a:t>
+              <a:rPr lang="de-AT" b="1" dirty="0">
+                <a:solidFill>
+                  <a:srgbClr val="000000"/>
+                </a:solidFill>
+                <a:latin typeface="Source Sans Pro" panose="020B0503030403020204" pitchFamily="34" charset="0"/>
+              </a:rPr>
+              <a:t>Beiderseitiges rechtliches Gehör:</a:t>
             </a:r>
             <a:br>
-              <a:rPr lang="de-AT" b="1" dirty="0"/>
+              <a:rPr lang="de-AT" b="1" dirty="0">
+                <a:solidFill>
+                  <a:srgbClr val="000000"/>
+                </a:solidFill>
+                <a:latin typeface="Source Sans Pro" panose="020B0503030403020204" pitchFamily="34" charset="0"/>
+              </a:rPr>
             </a:br>
             <a:r>
-              <a:rPr lang="de-AT" b="1" dirty="0"/>
+              <a:rPr lang="de-AT" b="1" dirty="0">
+                <a:solidFill>
+                  <a:srgbClr val="000000"/>
+                </a:solidFill>
+                <a:latin typeface="Source Sans Pro" panose="020B0503030403020204" pitchFamily="34" charset="0"/>
+              </a:rPr>
               <a:t>	</a:t>
             </a:r>
             <a:r>
-              <a:rPr lang="de-AT" dirty="0"/>
-              <a:t>-Klage vom Kläger</a:t>
-            </a:r>
-            <a:br>
-              <a:rPr lang="de-AT" dirty="0"/>
-            </a:br>
-            <a:r>
-              <a:rPr lang="de-AT" dirty="0"/>
-              <a:t>	-Klage ist gegen Beklagten</a:t>
+              <a:rPr lang="de-AT" dirty="0">
+                <a:solidFill>
+                  <a:srgbClr val="000000"/>
+                </a:solidFill>
+                <a:latin typeface="Source Sans Pro" panose="020B0503030403020204" pitchFamily="34" charset="0"/>
+              </a:rPr>
+              <a:t>-Die Möglichkeit sich zu äußern</a:t>
+            </a:r>
+          </a:p>
+          <a:p>
+            <a:pPr marL="0" indent="0">
+              <a:buNone/>
+            </a:pPr>
+            <a:r>
+              <a:rPr lang="de-AT" b="1" i="0" dirty="0">
+                <a:solidFill>
+                  <a:srgbClr val="000000"/>
+                </a:solidFill>
+                <a:effectLst/>
+                <a:latin typeface="Source Sans Pro" panose="020B0503030403020204" pitchFamily="34" charset="0"/>
+              </a:rPr>
+              <a:t>Kooperationsgrundsatz:</a:t>
+            </a:r>
+          </a:p>
+          <a:p>
+            <a:pPr marL="0" indent="0">
+              <a:buNone/>
+            </a:pPr>
+            <a:r>
+              <a:rPr lang="de-AT" b="1" dirty="0">
+                <a:solidFill>
+                  <a:srgbClr val="000000"/>
+                </a:solidFill>
+                <a:latin typeface="Source Sans Pro" panose="020B0503030403020204" pitchFamily="34" charset="0"/>
+              </a:rPr>
+              <a:t>	</a:t>
+            </a:r>
+            <a:r>
+              <a:rPr lang="de-AT" dirty="0">
+                <a:solidFill>
+                  <a:srgbClr val="000000"/>
+                </a:solidFill>
+                <a:latin typeface="Source Sans Pro" panose="020B0503030403020204" pitchFamily="34" charset="0"/>
+              </a:rPr>
+              <a:t>-Keine Ermittlungen</a:t>
             </a:r>
           </a:p>
         </p:txBody>
@@ -5033,7 +5423,7 @@
     </p:spTree>
     <p:extLst>
       <p:ext uri="{BB962C8B-B14F-4D97-AF65-F5344CB8AC3E}">
-        <p14:creationId xmlns:p14="http://schemas.microsoft.com/office/powerpoint/2010/main" val="712506801"/>
+        <p14:creationId xmlns:p14="http://schemas.microsoft.com/office/powerpoint/2010/main" val="2507592194"/>
       </p:ext>
     </p:extLst>
   </p:cSld>
@@ -5065,7 +5455,7 @@
           <p:cNvPr id="2" name="Titel 1">
             <a:extLst>
               <a:ext uri="{FF2B5EF4-FFF2-40B4-BE49-F238E27FC236}">
-                <a16:creationId xmlns:a16="http://schemas.microsoft.com/office/drawing/2014/main" id="{02D412D0-5EAF-4BD1-8CD6-6274A84295EA}"/>
+                <a16:creationId xmlns:a16="http://schemas.microsoft.com/office/drawing/2014/main" id="{86524586-F054-48FF-AF55-CAB94022054B}"/>
               </a:ext>
             </a:extLst>
           </p:cNvPr>
@@ -5078,7 +5468,9 @@
         </p:nvSpPr>
         <p:spPr/>
         <p:txBody>
-          <a:bodyPr/>
+          <a:bodyPr>
+            <a:normAutofit/>
+          </a:bodyPr>
           <a:lstStyle/>
           <a:p>
             <a:r>
@@ -5102,7 +5494,7 @@
           <p:cNvPr id="3" name="Inhaltsplatzhalter 2">
             <a:extLst>
               <a:ext uri="{FF2B5EF4-FFF2-40B4-BE49-F238E27FC236}">
-                <a16:creationId xmlns:a16="http://schemas.microsoft.com/office/drawing/2014/main" id="{169FF7B9-F008-4175-977D-80DF12A84C49}"/>
+                <a16:creationId xmlns:a16="http://schemas.microsoft.com/office/drawing/2014/main" id="{BB1A4123-642C-4C58-85C9-192B48A6B308}"/>
               </a:ext>
             </a:extLst>
           </p:cNvPr>
@@ -5122,16 +5514,45 @@
               <a:buNone/>
             </a:pPr>
             <a:r>
-              <a:rPr lang="de-AT" b="1" noProof="1"/>
-              <a:t>Mögliche anwesende</a:t>
-            </a:r>
-            <a:r>
-              <a:rPr lang="en-GB" b="1" dirty="0"/>
-              <a:t> </a:t>
-            </a:r>
-            <a:r>
               <a:rPr lang="de-AT" b="1" dirty="0"/>
-              <a:t>bei einem Gerichtsverfahren:</a:t>
+              <a:t>Rechtsgebiet &amp; Anspruch:</a:t>
+            </a:r>
+            <a:br>
+              <a:rPr lang="de-AT" dirty="0"/>
+            </a:br>
+            <a:r>
+              <a:rPr lang="de-AT" dirty="0"/>
+              <a:t>	-Ein Teil des Privatrechts</a:t>
+            </a:r>
+            <a:br>
+              <a:rPr lang="de-AT" dirty="0"/>
+            </a:br>
+            <a:r>
+              <a:rPr lang="de-AT" dirty="0"/>
+              <a:t>	-Jede Privatperson</a:t>
+            </a:r>
+            <a:br>
+              <a:rPr lang="de-AT" dirty="0"/>
+            </a:br>
+            <a:r>
+              <a:rPr lang="de-AT" dirty="0"/>
+              <a:t>	-Der Anspruch richtet sich (häufig) auf</a:t>
+            </a:r>
+            <a:br>
+              <a:rPr lang="de-AT" dirty="0"/>
+            </a:br>
+            <a:r>
+              <a:rPr lang="de-AT" dirty="0"/>
+              <a:t>	 Zahlung eines Geldbetrags</a:t>
+            </a:r>
+          </a:p>
+          <a:p>
+            <a:pPr marL="0" indent="0">
+              <a:buNone/>
+            </a:pPr>
+            <a:r>
+              <a:rPr lang="de-AT" b="1" dirty="0"/>
+              <a:t>Sind Gerichtsverfahren vermeidbar?</a:t>
             </a:r>
             <a:br>
               <a:rPr lang="de-AT" b="1" dirty="0"/>
@@ -5142,14 +5563,7 @@
             </a:r>
             <a:r>
               <a:rPr lang="de-AT" dirty="0"/>
-              <a:t>-Rechtsanwälte, Zeugen, Dolmetscher,</a:t>
-            </a:r>
-            <a:br>
-              <a:rPr lang="de-AT" dirty="0"/>
-            </a:br>
-            <a:r>
-              <a:rPr lang="de-AT" dirty="0"/>
-              <a:t>	 Sachverständiger, Schriftführer</a:t>
+              <a:t>-Ja, durch Einigung und Verzicht</a:t>
             </a:r>
           </a:p>
           <a:p>
@@ -5162,28 +5576,17 @@
             <a:pPr marL="0" indent="0">
               <a:buNone/>
             </a:pPr>
-            <a:r>
-              <a:rPr lang="de-AT" b="1" dirty="0"/>
-              <a:t>Wer trägt die Beweislast:</a:t>
-            </a:r>
-            <a:br>
-              <a:rPr lang="de-AT" b="1" dirty="0"/>
-            </a:br>
-            <a:r>
-              <a:rPr lang="de-AT" b="1" dirty="0"/>
-              <a:t>	</a:t>
-            </a:r>
-            <a:r>
-              <a:rPr lang="de-AT" dirty="0"/>
-              <a:t>-In der Regel der Kläger</a:t>
-            </a:r>
+            <a:endParaRPr lang="en-GB" dirty="0"/>
+          </a:p>
+          <a:p>
+            <a:endParaRPr lang="de-AT" dirty="0"/>
           </a:p>
         </p:txBody>
       </p:sp>
     </p:spTree>
     <p:extLst>
       <p:ext uri="{BB962C8B-B14F-4D97-AF65-F5344CB8AC3E}">
-        <p14:creationId xmlns:p14="http://schemas.microsoft.com/office/powerpoint/2010/main" val="4104077374"/>
+        <p14:creationId xmlns:p14="http://schemas.microsoft.com/office/powerpoint/2010/main" val="4120101375"/>
       </p:ext>
     </p:extLst>
   </p:cSld>
@@ -5215,7 +5618,7 @@
           <p:cNvPr id="2" name="Titel 1">
             <a:extLst>
               <a:ext uri="{FF2B5EF4-FFF2-40B4-BE49-F238E27FC236}">
-                <a16:creationId xmlns:a16="http://schemas.microsoft.com/office/drawing/2014/main" id="{2EA33FBE-46C4-4D76-A775-8A282938CE62}"/>
+                <a16:creationId xmlns:a16="http://schemas.microsoft.com/office/drawing/2014/main" id="{A2D442B6-1C24-482D-950A-4E6FA60A973C}"/>
               </a:ext>
             </a:extLst>
           </p:cNvPr>
@@ -5252,7 +5655,7 @@
           <p:cNvPr id="3" name="Inhaltsplatzhalter 2">
             <a:extLst>
               <a:ext uri="{FF2B5EF4-FFF2-40B4-BE49-F238E27FC236}">
-                <a16:creationId xmlns:a16="http://schemas.microsoft.com/office/drawing/2014/main" id="{10006006-5C60-49C4-BB8D-3E511E1BC83F}"/>
+                <a16:creationId xmlns:a16="http://schemas.microsoft.com/office/drawing/2014/main" id="{813E75D4-B9F2-4AC2-8354-7F88F6A63108}"/>
               </a:ext>
             </a:extLst>
           </p:cNvPr>
@@ -5265,20 +5668,23 @@
         </p:nvSpPr>
         <p:spPr/>
         <p:txBody>
-          <a:bodyPr>
-            <a:normAutofit/>
-          </a:bodyPr>
-          <a:lstStyle/>
-          <a:p>
-            <a:pPr marL="0" lvl="0" indent="0">
-              <a:lnSpc>
-                <a:spcPct val="107000"/>
-              </a:lnSpc>
+          <a:bodyPr/>
+          <a:lstStyle/>
+          <a:p>
+            <a:pPr marL="0" indent="0">
               <a:buNone/>
             </a:pPr>
             <a:r>
+              <a:rPr lang="de-AT" b="1" noProof="1"/>
+              <a:t>Auf jeden Fall anwesende</a:t>
+            </a:r>
+            <a:r>
+              <a:rPr lang="en-GB" b="1" dirty="0"/>
+              <a:t> </a:t>
+            </a:r>
+            <a:r>
               <a:rPr lang="de-AT" b="1" dirty="0"/>
-              <a:t>Wie endet ein Verfahren:</a:t>
+              <a:t>bei einem Gerichtsverfahren:</a:t>
             </a:r>
             <a:br>
               <a:rPr lang="de-AT" b="1" dirty="0"/>
@@ -5289,80 +5695,45 @@
             </a:r>
             <a:r>
               <a:rPr lang="de-AT" dirty="0"/>
-              <a:t>-Urteil zugunsten des Klägers fällt</a:t>
+              <a:t>-Kläger, Beklagter und Berufsrichter</a:t>
+            </a:r>
+          </a:p>
+          <a:p>
+            <a:endParaRPr lang="de-AT" dirty="0"/>
+          </a:p>
+          <a:p>
+            <a:pPr marL="0" indent="0">
+              <a:buNone/>
+            </a:pPr>
+            <a:r>
+              <a:rPr lang="de-AT" b="1" dirty="0"/>
+              <a:t>Wie wird das Verfahren eingeleitet:</a:t>
+            </a:r>
+            <a:br>
+              <a:rPr lang="de-AT" b="1" dirty="0"/>
+            </a:br>
+            <a:r>
+              <a:rPr lang="de-AT" b="1" dirty="0"/>
+              <a:t>	</a:t>
+            </a:r>
+            <a:r>
+              <a:rPr lang="de-AT" dirty="0"/>
+              <a:t>-Klage vom Kläger</a:t>
             </a:r>
             <a:br>
               <a:rPr lang="de-AT" dirty="0"/>
             </a:br>
             <a:r>
               <a:rPr lang="de-AT" dirty="0"/>
-              <a:t>	-Urteil zugunsten des Beklagten fällt</a:t>
-            </a:r>
-            <a:br>
-              <a:rPr lang="de-AT" dirty="0"/>
-            </a:br>
-            <a:r>
-              <a:rPr lang="de-AT" dirty="0"/>
-              <a:t>	-Der Klage wird teilweise stattgegeben</a:t>
-            </a:r>
-            <a:br>
-              <a:rPr lang="de-AT" dirty="0"/>
-            </a:br>
-            <a:r>
-              <a:rPr lang="de-AT" dirty="0"/>
-              <a:t>	-Vergleich (Einigung zwischen den Parteien)</a:t>
-            </a:r>
-          </a:p>
-          <a:p>
-            <a:pPr marL="0" lvl="0" indent="0">
-              <a:lnSpc>
-                <a:spcPct val="107000"/>
-              </a:lnSpc>
-              <a:buNone/>
-            </a:pPr>
-            <a:endParaRPr lang="de-AT" dirty="0"/>
-          </a:p>
-          <a:p>
-            <a:pPr marL="0" lvl="0" indent="0">
-              <a:lnSpc>
-                <a:spcPct val="107000"/>
-              </a:lnSpc>
-              <a:buNone/>
-            </a:pPr>
-            <a:r>
-              <a:rPr lang="de-AT" b="1" dirty="0"/>
-              <a:t>Welche Rechtsmittel kann man ergreifen: </a:t>
-            </a:r>
-            <a:r>
-              <a:rPr lang="de-AT" dirty="0"/>
-              <a:t>Berufung in die nächste Instanz</a:t>
-            </a:r>
-          </a:p>
-          <a:p>
-            <a:pPr marL="0" indent="0">
-              <a:buNone/>
-            </a:pPr>
-            <a:r>
-              <a:rPr lang="de-AT" b="1" dirty="0"/>
-              <a:t>Wer trägt die Kosten: </a:t>
-            </a:r>
-            <a:r>
-              <a:rPr lang="de-AT" dirty="0"/>
-              <a:t>Die Person, die verliert</a:t>
-            </a:r>
-          </a:p>
-          <a:p>
-            <a:pPr marL="0" indent="0">
-              <a:buNone/>
-            </a:pPr>
-            <a:endParaRPr lang="de-AT" dirty="0"/>
+              <a:t>	-Klage ist gegen Beklagten</a:t>
+            </a:r>
           </a:p>
         </p:txBody>
       </p:sp>
     </p:spTree>
     <p:extLst>
       <p:ext uri="{BB962C8B-B14F-4D97-AF65-F5344CB8AC3E}">
-        <p14:creationId xmlns:p14="http://schemas.microsoft.com/office/powerpoint/2010/main" val="134207264"/>
+        <p14:creationId xmlns:p14="http://schemas.microsoft.com/office/powerpoint/2010/main" val="712506801"/>
       </p:ext>
     </p:extLst>
   </p:cSld>

--- a/BWM - Werner Baumgartner/Zivilrecht.pptx
+++ b/BWM - Werner Baumgartner/Zivilrecht.pptx
@@ -125,7 +125,7 @@
 <file path=ppt/revisionInfo.xml><?xml version="1.0" encoding="utf-8"?>
 <p1510:revInfo xmlns:a="http://schemas.openxmlformats.org/drawingml/2006/main" xmlns:r="http://schemas.openxmlformats.org/officeDocument/2006/relationships" xmlns:p1510="http://schemas.microsoft.com/office/powerpoint/2015/10/main">
   <p1510:revLst>
-    <p1510:client id="{CCDB026E-3B9E-43F8-9AAE-9BD72540FE10}" v="1" dt="2021-11-18T07:33:02.452"/>
+    <p1510:client id="{CCDB026E-3B9E-43F8-9AAE-9BD72540FE10}" v="3" dt="2021-11-18T08:23:09.041"/>
   </p1510:revLst>
 </p1510:revInfo>
 </file>
@@ -135,12 +135,48 @@
   <pc:docChgLst>
     <pc:chgData name="Armin Schneider" userId="4904bfd93c97bef6" providerId="LiveId" clId="{CCDB026E-3B9E-43F8-9AAE-9BD72540FE10}"/>
     <pc:docChg chg="undo custSel addSld delSld modSld sldOrd">
-      <pc:chgData name="Armin Schneider" userId="4904bfd93c97bef6" providerId="LiveId" clId="{CCDB026E-3B9E-43F8-9AAE-9BD72540FE10}" dt="2021-11-18T07:33:21.001" v="225" actId="47"/>
+      <pc:chgData name="Armin Schneider" userId="4904bfd93c97bef6" providerId="LiveId" clId="{CCDB026E-3B9E-43F8-9AAE-9BD72540FE10}" dt="2021-11-18T08:23:09.041" v="229"/>
       <pc:docMkLst>
         <pc:docMk/>
       </pc:docMkLst>
-      <pc:sldChg chg="modSp mod">
-        <pc:chgData name="Armin Schneider" userId="4904bfd93c97bef6" providerId="LiveId" clId="{CCDB026E-3B9E-43F8-9AAE-9BD72540FE10}" dt="2021-11-18T07:03:55.513" v="183" actId="20577"/>
+      <pc:sldChg chg="modTransition">
+        <pc:chgData name="Armin Schneider" userId="4904bfd93c97bef6" providerId="LiveId" clId="{CCDB026E-3B9E-43F8-9AAE-9BD72540FE10}" dt="2021-11-18T08:22:35.217" v="228"/>
+        <pc:sldMkLst>
+          <pc:docMk/>
+          <pc:sldMk cId="4120101375" sldId="258"/>
+        </pc:sldMkLst>
+      </pc:sldChg>
+      <pc:sldChg chg="modTransition">
+        <pc:chgData name="Armin Schneider" userId="4904bfd93c97bef6" providerId="LiveId" clId="{CCDB026E-3B9E-43F8-9AAE-9BD72540FE10}" dt="2021-11-18T08:22:35.217" v="228"/>
+        <pc:sldMkLst>
+          <pc:docMk/>
+          <pc:sldMk cId="712506801" sldId="259"/>
+        </pc:sldMkLst>
+      </pc:sldChg>
+      <pc:sldChg chg="modTransition">
+        <pc:chgData name="Armin Schneider" userId="4904bfd93c97bef6" providerId="LiveId" clId="{CCDB026E-3B9E-43F8-9AAE-9BD72540FE10}" dt="2021-11-18T08:23:09.041" v="229"/>
+        <pc:sldMkLst>
+          <pc:docMk/>
+          <pc:sldMk cId="4104077374" sldId="260"/>
+        </pc:sldMkLst>
+      </pc:sldChg>
+      <pc:sldChg chg="modSp mod modTransition">
+        <pc:chgData name="Armin Schneider" userId="4904bfd93c97bef6" providerId="LiveId" clId="{CCDB026E-3B9E-43F8-9AAE-9BD72540FE10}" dt="2021-11-18T08:23:09.041" v="229"/>
+        <pc:sldMkLst>
+          <pc:docMk/>
+          <pc:sldMk cId="134207264" sldId="261"/>
+        </pc:sldMkLst>
+        <pc:spChg chg="mod">
+          <ac:chgData name="Armin Schneider" userId="4904bfd93c97bef6" providerId="LiveId" clId="{CCDB026E-3B9E-43F8-9AAE-9BD72540FE10}" dt="2021-11-18T08:19:17.864" v="227" actId="6549"/>
+          <ac:spMkLst>
+            <pc:docMk/>
+            <pc:sldMk cId="134207264" sldId="261"/>
+            <ac:spMk id="3" creationId="{10006006-5C60-49C4-BB8D-3E511E1BC83F}"/>
+          </ac:spMkLst>
+        </pc:spChg>
+      </pc:sldChg>
+      <pc:sldChg chg="modSp mod modTransition">
+        <pc:chgData name="Armin Schneider" userId="4904bfd93c97bef6" providerId="LiveId" clId="{CCDB026E-3B9E-43F8-9AAE-9BD72540FE10}" dt="2021-11-18T08:22:35.217" v="228"/>
         <pc:sldMkLst>
           <pc:docMk/>
           <pc:sldMk cId="2019159296" sldId="263"/>
@@ -154,15 +190,29 @@
           </ac:spMkLst>
         </pc:spChg>
       </pc:sldChg>
-      <pc:sldChg chg="ord">
-        <pc:chgData name="Armin Schneider" userId="4904bfd93c97bef6" providerId="LiveId" clId="{CCDB026E-3B9E-43F8-9AAE-9BD72540FE10}" dt="2021-11-18T07:23:00.627" v="203"/>
+      <pc:sldChg chg="modTransition">
+        <pc:chgData name="Armin Schneider" userId="4904bfd93c97bef6" providerId="LiveId" clId="{CCDB026E-3B9E-43F8-9AAE-9BD72540FE10}" dt="2021-11-18T08:22:35.217" v="228"/>
+        <pc:sldMkLst>
+          <pc:docMk/>
+          <pc:sldMk cId="2147710059" sldId="264"/>
+        </pc:sldMkLst>
+      </pc:sldChg>
+      <pc:sldChg chg="modTransition">
+        <pc:chgData name="Armin Schneider" userId="4904bfd93c97bef6" providerId="LiveId" clId="{CCDB026E-3B9E-43F8-9AAE-9BD72540FE10}" dt="2021-11-18T08:22:35.217" v="228"/>
+        <pc:sldMkLst>
+          <pc:docMk/>
+          <pc:sldMk cId="2507592194" sldId="265"/>
+        </pc:sldMkLst>
+      </pc:sldChg>
+      <pc:sldChg chg="ord modTransition">
+        <pc:chgData name="Armin Schneider" userId="4904bfd93c97bef6" providerId="LiveId" clId="{CCDB026E-3B9E-43F8-9AAE-9BD72540FE10}" dt="2021-11-18T08:22:35.217" v="228"/>
         <pc:sldMkLst>
           <pc:docMk/>
           <pc:sldMk cId="3467259874" sldId="266"/>
         </pc:sldMkLst>
       </pc:sldChg>
-      <pc:sldChg chg="modSp new mod">
-        <pc:chgData name="Armin Schneider" userId="4904bfd93c97bef6" providerId="LiveId" clId="{CCDB026E-3B9E-43F8-9AAE-9BD72540FE10}" dt="2021-11-18T07:11:16.866" v="201" actId="20577"/>
+      <pc:sldChg chg="modSp new mod modTransition">
+        <pc:chgData name="Armin Schneider" userId="4904bfd93c97bef6" providerId="LiveId" clId="{CCDB026E-3B9E-43F8-9AAE-9BD72540FE10}" dt="2021-11-18T08:22:35.217" v="228"/>
         <pc:sldMkLst>
           <pc:docMk/>
           <pc:sldMk cId="381714346" sldId="267"/>
@@ -184,8 +234,8 @@
           </ac:spMkLst>
         </pc:spChg>
       </pc:sldChg>
-      <pc:sldChg chg="modSp new mod">
-        <pc:chgData name="Armin Schneider" userId="4904bfd93c97bef6" providerId="LiveId" clId="{CCDB026E-3B9E-43F8-9AAE-9BD72540FE10}" dt="2021-11-18T06:58:45.714" v="181" actId="113"/>
+      <pc:sldChg chg="modSp new mod modTransition">
+        <pc:chgData name="Armin Schneider" userId="4904bfd93c97bef6" providerId="LiveId" clId="{CCDB026E-3B9E-43F8-9AAE-9BD72540FE10}" dt="2021-11-18T08:22:35.217" v="228"/>
         <pc:sldMkLst>
           <pc:docMk/>
           <pc:sldMk cId="2722369127" sldId="268"/>
@@ -4370,6 +4420,18 @@
   <p:clrMapOvr>
     <a:masterClrMapping/>
   </p:clrMapOvr>
+  <mc:AlternateContent xmlns:mc="http://schemas.openxmlformats.org/markup-compatibility/2006">
+    <mc:Choice xmlns:p14="http://schemas.microsoft.com/office/powerpoint/2010/main" Requires="p14">
+      <p:transition spd="med" p14:dur="700">
+        <p:fade/>
+      </p:transition>
+    </mc:Choice>
+    <mc:Fallback>
+      <p:transition spd="med">
+        <p:fade/>
+      </p:transition>
+    </mc:Fallback>
+  </mc:AlternateContent>
 </p:sld>
 </file>
 
@@ -4483,7 +4545,7 @@
             </a:br>
             <a:r>
               <a:rPr lang="de-AT" dirty="0"/>
-              <a:t>	-Der Klage wird teilweise stattgegeben</a:t>
+              <a:t>	-Klage wird teilweise stattgegeben</a:t>
             </a:r>
             <a:br>
               <a:rPr lang="de-AT" dirty="0"/>
@@ -4549,6 +4611,18 @@
   <p:clrMapOvr>
     <a:masterClrMapping/>
   </p:clrMapOvr>
+  <mc:AlternateContent xmlns:mc="http://schemas.openxmlformats.org/markup-compatibility/2006">
+    <mc:Choice xmlns:p14="http://schemas.microsoft.com/office/powerpoint/2010/main" Requires="p14">
+      <p:transition spd="med" p14:dur="700">
+        <p:fade/>
+      </p:transition>
+    </mc:Choice>
+    <mc:Fallback>
+      <p:transition spd="med">
+        <p:fade/>
+      </p:transition>
+    </mc:Fallback>
+  </mc:AlternateContent>
 </p:sld>
 </file>
 
@@ -4668,6 +4742,18 @@
   <p:clrMapOvr>
     <a:masterClrMapping/>
   </p:clrMapOvr>
+  <mc:AlternateContent xmlns:mc="http://schemas.openxmlformats.org/markup-compatibility/2006">
+    <mc:Choice xmlns:p14="http://schemas.microsoft.com/office/powerpoint/2010/main" Requires="p14">
+      <p:transition spd="med" p14:dur="700">
+        <p:fade/>
+      </p:transition>
+    </mc:Choice>
+    <mc:Fallback>
+      <p:transition spd="med">
+        <p:fade/>
+      </p:transition>
+    </mc:Fallback>
+  </mc:AlternateContent>
 </p:sld>
 </file>
 
@@ -4812,6 +4898,18 @@
   <p:clrMapOvr>
     <a:masterClrMapping/>
   </p:clrMapOvr>
+  <mc:AlternateContent xmlns:mc="http://schemas.openxmlformats.org/markup-compatibility/2006">
+    <mc:Choice xmlns:p14="http://schemas.microsoft.com/office/powerpoint/2010/main" Requires="p14">
+      <p:transition spd="med" p14:dur="700">
+        <p:fade/>
+      </p:transition>
+    </mc:Choice>
+    <mc:Fallback>
+      <p:transition spd="med">
+        <p:fade/>
+      </p:transition>
+    </mc:Fallback>
+  </mc:AlternateContent>
 </p:sld>
 </file>
 
@@ -4936,6 +5034,18 @@
   <p:clrMapOvr>
     <a:masterClrMapping/>
   </p:clrMapOvr>
+  <mc:AlternateContent xmlns:mc="http://schemas.openxmlformats.org/markup-compatibility/2006">
+    <mc:Choice xmlns:p14="http://schemas.microsoft.com/office/powerpoint/2010/main" Requires="p14">
+      <p:transition spd="med" p14:dur="700">
+        <p:fade/>
+      </p:transition>
+    </mc:Choice>
+    <mc:Fallback>
+      <p:transition spd="med">
+        <p:fade/>
+      </p:transition>
+    </mc:Fallback>
+  </mc:AlternateContent>
 </p:sld>
 </file>
 
@@ -5068,6 +5178,18 @@
   <p:clrMapOvr>
     <a:masterClrMapping/>
   </p:clrMapOvr>
+  <mc:AlternateContent xmlns:mc="http://schemas.openxmlformats.org/markup-compatibility/2006">
+    <mc:Choice xmlns:p14="http://schemas.microsoft.com/office/powerpoint/2010/main" Requires="p14">
+      <p:transition spd="med" p14:dur="700">
+        <p:fade/>
+      </p:transition>
+    </mc:Choice>
+    <mc:Fallback>
+      <p:transition spd="med">
+        <p:fade/>
+      </p:transition>
+    </mc:Fallback>
+  </mc:AlternateContent>
 </p:sld>
 </file>
 
@@ -5210,6 +5332,18 @@
   <p:clrMapOvr>
     <a:masterClrMapping/>
   </p:clrMapOvr>
+  <mc:AlternateContent xmlns:mc="http://schemas.openxmlformats.org/markup-compatibility/2006">
+    <mc:Choice xmlns:p14="http://schemas.microsoft.com/office/powerpoint/2010/main" Requires="p14">
+      <p:transition spd="med" p14:dur="700">
+        <p:fade/>
+      </p:transition>
+    </mc:Choice>
+    <mc:Fallback>
+      <p:transition spd="med">
+        <p:fade/>
+      </p:transition>
+    </mc:Fallback>
+  </mc:AlternateContent>
 </p:sld>
 </file>
 
@@ -5430,6 +5564,18 @@
   <p:clrMapOvr>
     <a:masterClrMapping/>
   </p:clrMapOvr>
+  <mc:AlternateContent xmlns:mc="http://schemas.openxmlformats.org/markup-compatibility/2006">
+    <mc:Choice xmlns:p14="http://schemas.microsoft.com/office/powerpoint/2010/main" Requires="p14">
+      <p:transition spd="med" p14:dur="700">
+        <p:fade/>
+      </p:transition>
+    </mc:Choice>
+    <mc:Fallback>
+      <p:transition spd="med">
+        <p:fade/>
+      </p:transition>
+    </mc:Fallback>
+  </mc:AlternateContent>
 </p:sld>
 </file>
 
@@ -5593,6 +5739,18 @@
   <p:clrMapOvr>
     <a:masterClrMapping/>
   </p:clrMapOvr>
+  <mc:AlternateContent xmlns:mc="http://schemas.openxmlformats.org/markup-compatibility/2006">
+    <mc:Choice xmlns:p14="http://schemas.microsoft.com/office/powerpoint/2010/main" Requires="p14">
+      <p:transition spd="med" p14:dur="700">
+        <p:fade/>
+      </p:transition>
+    </mc:Choice>
+    <mc:Fallback>
+      <p:transition spd="med">
+        <p:fade/>
+      </p:transition>
+    </mc:Fallback>
+  </mc:AlternateContent>
 </p:sld>
 </file>
 
@@ -5740,6 +5898,18 @@
   <p:clrMapOvr>
     <a:masterClrMapping/>
   </p:clrMapOvr>
+  <mc:AlternateContent xmlns:mc="http://schemas.openxmlformats.org/markup-compatibility/2006">
+    <mc:Choice xmlns:p14="http://schemas.microsoft.com/office/powerpoint/2010/main" Requires="p14">
+      <p:transition spd="med" p14:dur="700">
+        <p:fade/>
+      </p:transition>
+    </mc:Choice>
+    <mc:Fallback>
+      <p:transition spd="med">
+        <p:fade/>
+      </p:transition>
+    </mc:Fallback>
+  </mc:AlternateContent>
 </p:sld>
 </file>
 
